--- a/docs/Seapal_Praesi.pptx
+++ b/docs/Seapal_Praesi.pptx
@@ -1,6 +1,6 @@
 
 <file path=ppt/presentation.xml><?xml version="1.0" encoding="utf-8"?>
-<p:presentation xmlns:a="http://schemas.openxmlformats.org/drawingml/2006/main" xmlns:r="http://schemas.openxmlformats.org/officeDocument/2006/relationships" xmlns:p="http://schemas.openxmlformats.org/presentationml/2006/main" showSpecialPlsOnTitleSld="0" saveSubsetFonts="1">
+<p:presentation xmlns:a="http://schemas.openxmlformats.org/drawingml/2006/main" xmlns:r="http://schemas.openxmlformats.org/officeDocument/2006/relationships" xmlns:p="http://schemas.openxmlformats.org/presentationml/2006/main" serverZoom="17262" showSpecialPlsOnTitleSld="0" saveSubsetFonts="1">
   <p:sldMasterIdLst>
     <p:sldMasterId id="2147483648" r:id="rId1"/>
   </p:sldMasterIdLst>
@@ -193,7 +193,8 @@
           <a:p>
             <a:fld id="{102D7A37-7F7C-4F50-8912-05CAF1FE80D2}" type="datetimeFigureOut">
               <a:rPr lang="de-DE" smtClean="0"/>
-              <a:t>14.01.2013</a:t>
+              <a:pPr/>
+              <a:t>15.01.2013</a:t>
             </a:fld>
             <a:endParaRPr lang="de-DE"/>
           </a:p>
@@ -354,6 +355,7 @@
           <a:p>
             <a:fld id="{626DB309-9ACD-415D-8F0E-7D8324127B9B}" type="slidenum">
               <a:rPr lang="de-DE" smtClean="0"/>
+              <a:pPr/>
               <a:t>‹Nr.›</a:t>
             </a:fld>
             <a:endParaRPr lang="de-DE"/>
@@ -639,7 +641,8 @@
           <a:p>
             <a:fld id="{AD5210A8-237B-40AC-B04E-E134679A7FD9}" type="datetime1">
               <a:rPr lang="de-DE" smtClean="0"/>
-              <a:t>14.01.2013</a:t>
+              <a:pPr/>
+              <a:t>15.01.2013</a:t>
             </a:fld>
             <a:endParaRPr lang="de-DE"/>
           </a:p>
@@ -681,6 +684,7 @@
           <a:p>
             <a:fld id="{B8B5D93F-86B1-4750-B826-F8457AD72B6E}" type="slidenum">
               <a:rPr lang="de-DE" smtClean="0"/>
+              <a:pPr/>
               <a:t>‹Nr.›</a:t>
             </a:fld>
             <a:endParaRPr lang="de-DE"/>
@@ -804,7 +808,8 @@
           <a:p>
             <a:fld id="{0BEBAFEA-AF26-4B0A-829A-81235F276748}" type="datetime1">
               <a:rPr lang="de-DE" smtClean="0"/>
-              <a:t>14.01.2013</a:t>
+              <a:pPr/>
+              <a:t>15.01.2013</a:t>
             </a:fld>
             <a:endParaRPr lang="de-DE"/>
           </a:p>
@@ -846,6 +851,7 @@
           <a:p>
             <a:fld id="{B8B5D93F-86B1-4750-B826-F8457AD72B6E}" type="slidenum">
               <a:rPr lang="de-DE" smtClean="0"/>
+              <a:pPr/>
               <a:t>‹Nr.›</a:t>
             </a:fld>
             <a:endParaRPr lang="de-DE"/>
@@ -979,7 +985,8 @@
           <a:p>
             <a:fld id="{56CB4CF3-97EE-4222-B7E8-3A274816DA08}" type="datetime1">
               <a:rPr lang="de-DE" smtClean="0"/>
-              <a:t>14.01.2013</a:t>
+              <a:pPr/>
+              <a:t>15.01.2013</a:t>
             </a:fld>
             <a:endParaRPr lang="de-DE"/>
           </a:p>
@@ -1021,6 +1028,7 @@
           <a:p>
             <a:fld id="{B8B5D93F-86B1-4750-B826-F8457AD72B6E}" type="slidenum">
               <a:rPr lang="de-DE" smtClean="0"/>
+              <a:pPr/>
               <a:t>‹Nr.›</a:t>
             </a:fld>
             <a:endParaRPr lang="de-DE"/>
@@ -1144,7 +1152,8 @@
           <a:p>
             <a:fld id="{257EC199-5C6F-49EF-A39A-81A9E8122708}" type="datetime1">
               <a:rPr lang="de-DE" smtClean="0"/>
-              <a:t>14.01.2013</a:t>
+              <a:pPr/>
+              <a:t>15.01.2013</a:t>
             </a:fld>
             <a:endParaRPr lang="de-DE"/>
           </a:p>
@@ -1186,6 +1195,7 @@
           <a:p>
             <a:fld id="{B8B5D93F-86B1-4750-B826-F8457AD72B6E}" type="slidenum">
               <a:rPr lang="de-DE" smtClean="0"/>
+              <a:pPr/>
               <a:t>‹Nr.›</a:t>
             </a:fld>
             <a:endParaRPr lang="de-DE"/>
@@ -1385,7 +1395,8 @@
           <a:p>
             <a:fld id="{085D7439-7515-4427-A5E9-8E6D310DA96F}" type="datetime1">
               <a:rPr lang="de-DE" smtClean="0"/>
-              <a:t>14.01.2013</a:t>
+              <a:pPr/>
+              <a:t>15.01.2013</a:t>
             </a:fld>
             <a:endParaRPr lang="de-DE"/>
           </a:p>
@@ -1427,6 +1438,7 @@
           <a:p>
             <a:fld id="{B8B5D93F-86B1-4750-B826-F8457AD72B6E}" type="slidenum">
               <a:rPr lang="de-DE" smtClean="0"/>
+              <a:pPr/>
               <a:t>‹Nr.›</a:t>
             </a:fld>
             <a:endParaRPr lang="de-DE"/>
@@ -1668,7 +1680,8 @@
           <a:p>
             <a:fld id="{CC76DFD2-6DEF-433B-98E3-C3107A425DEF}" type="datetime1">
               <a:rPr lang="de-DE" smtClean="0"/>
-              <a:t>14.01.2013</a:t>
+              <a:pPr/>
+              <a:t>15.01.2013</a:t>
             </a:fld>
             <a:endParaRPr lang="de-DE"/>
           </a:p>
@@ -1710,6 +1723,7 @@
           <a:p>
             <a:fld id="{B8B5D93F-86B1-4750-B826-F8457AD72B6E}" type="slidenum">
               <a:rPr lang="de-DE" smtClean="0"/>
+              <a:pPr/>
               <a:t>‹Nr.›</a:t>
             </a:fld>
             <a:endParaRPr lang="de-DE"/>
@@ -2085,7 +2099,8 @@
           <a:p>
             <a:fld id="{EC5A01BA-EFB9-4AC7-AD8F-782E659893CD}" type="datetime1">
               <a:rPr lang="de-DE" smtClean="0"/>
-              <a:t>14.01.2013</a:t>
+              <a:pPr/>
+              <a:t>15.01.2013</a:t>
             </a:fld>
             <a:endParaRPr lang="de-DE"/>
           </a:p>
@@ -2127,6 +2142,7 @@
           <a:p>
             <a:fld id="{B8B5D93F-86B1-4750-B826-F8457AD72B6E}" type="slidenum">
               <a:rPr lang="de-DE" smtClean="0"/>
+              <a:pPr/>
               <a:t>‹Nr.›</a:t>
             </a:fld>
             <a:endParaRPr lang="de-DE"/>
@@ -2198,7 +2214,8 @@
           <a:p>
             <a:fld id="{B8956735-051C-46B9-84CB-B92BFE969C5A}" type="datetime1">
               <a:rPr lang="de-DE" smtClean="0"/>
-              <a:t>14.01.2013</a:t>
+              <a:pPr/>
+              <a:t>15.01.2013</a:t>
             </a:fld>
             <a:endParaRPr lang="de-DE"/>
           </a:p>
@@ -2240,6 +2257,7 @@
           <a:p>
             <a:fld id="{B8B5D93F-86B1-4750-B826-F8457AD72B6E}" type="slidenum">
               <a:rPr lang="de-DE" smtClean="0"/>
+              <a:pPr/>
               <a:t>‹Nr.›</a:t>
             </a:fld>
             <a:endParaRPr lang="de-DE"/>
@@ -2288,7 +2306,8 @@
           <a:p>
             <a:fld id="{309B224B-E2C9-4966-88F3-4FE3AE3F2A29}" type="datetime1">
               <a:rPr lang="de-DE" smtClean="0"/>
-              <a:t>14.01.2013</a:t>
+              <a:pPr/>
+              <a:t>15.01.2013</a:t>
             </a:fld>
             <a:endParaRPr lang="de-DE"/>
           </a:p>
@@ -2330,6 +2349,7 @@
           <a:p>
             <a:fld id="{B8B5D93F-86B1-4750-B826-F8457AD72B6E}" type="slidenum">
               <a:rPr lang="de-DE" smtClean="0"/>
+              <a:pPr/>
               <a:t>‹Nr.›</a:t>
             </a:fld>
             <a:endParaRPr lang="de-DE"/>
@@ -2560,7 +2580,8 @@
           <a:p>
             <a:fld id="{56767AAF-E235-40BE-8EF6-AD9E7C93F452}" type="datetime1">
               <a:rPr lang="de-DE" smtClean="0"/>
-              <a:t>14.01.2013</a:t>
+              <a:pPr/>
+              <a:t>15.01.2013</a:t>
             </a:fld>
             <a:endParaRPr lang="de-DE"/>
           </a:p>
@@ -2602,6 +2623,7 @@
           <a:p>
             <a:fld id="{B8B5D93F-86B1-4750-B826-F8457AD72B6E}" type="slidenum">
               <a:rPr lang="de-DE" smtClean="0"/>
+              <a:pPr/>
               <a:t>‹Nr.›</a:t>
             </a:fld>
             <a:endParaRPr lang="de-DE"/>
@@ -2808,7 +2830,8 @@
           <a:p>
             <a:fld id="{F130D36F-66D4-4B23-BB58-82F6E2218C7C}" type="datetime1">
               <a:rPr lang="de-DE" smtClean="0"/>
-              <a:t>14.01.2013</a:t>
+              <a:pPr/>
+              <a:t>15.01.2013</a:t>
             </a:fld>
             <a:endParaRPr lang="de-DE"/>
           </a:p>
@@ -2850,6 +2873,7 @@
           <a:p>
             <a:fld id="{B8B5D93F-86B1-4750-B826-F8457AD72B6E}" type="slidenum">
               <a:rPr lang="de-DE" smtClean="0"/>
+              <a:pPr/>
               <a:t>‹Nr.›</a:t>
             </a:fld>
             <a:endParaRPr lang="de-DE"/>
@@ -3019,7 +3043,8 @@
           <a:p>
             <a:fld id="{8D9C9D63-700E-466B-8C2F-7C9FD5769444}" type="datetime1">
               <a:rPr lang="de-DE" smtClean="0"/>
-              <a:t>14.01.2013</a:t>
+              <a:pPr/>
+              <a:t>15.01.2013</a:t>
             </a:fld>
             <a:endParaRPr lang="de-DE"/>
           </a:p>
@@ -3097,6 +3122,7 @@
           <a:p>
             <a:fld id="{B8B5D93F-86B1-4750-B826-F8457AD72B6E}" type="slidenum">
               <a:rPr lang="de-DE" smtClean="0"/>
+              <a:pPr/>
               <a:t>‹Nr.›</a:t>
             </a:fld>
             <a:endParaRPr lang="de-DE"/>
@@ -3543,6 +3569,11 @@
             <a:avLst/>
           </a:prstGeom>
           <a:noFill/>
+          <a:ln>
+            <a:solidFill>
+              <a:schemeClr val="bg1"/>
+            </a:solidFill>
+          </a:ln>
         </p:spPr>
       </p:pic>
     </p:spTree>
@@ -3658,6 +3689,11 @@
             <a:avLst/>
           </a:prstGeom>
           <a:noFill/>
+          <a:ln>
+            <a:solidFill>
+              <a:schemeClr val="bg1"/>
+            </a:solidFill>
+          </a:ln>
         </p:spPr>
       </p:pic>
       <p:sp>
@@ -3677,6 +3713,7 @@
           <a:p>
             <a:fld id="{B8B5D93F-86B1-4750-B826-F8457AD72B6E}" type="slidenum">
               <a:rPr lang="de-DE" smtClean="0"/>
+              <a:pPr/>
               <a:t>2</a:t>
             </a:fld>
             <a:endParaRPr lang="de-DE"/>

--- a/docs/Seapal_Praesi.pptx
+++ b/docs/Seapal_Praesi.pptx
@@ -5,7 +5,7 @@
     <p:sldMasterId id="2147483648" r:id="rId1"/>
   </p:sldMasterIdLst>
   <p:notesMasterIdLst>
-    <p:notesMasterId r:id="rId13"/>
+    <p:notesMasterId r:id="rId15"/>
   </p:notesMasterIdLst>
   <p:sldIdLst>
     <p:sldId id="256" r:id="rId2"/>
@@ -16,9 +16,11 @@
     <p:sldId id="261" r:id="rId7"/>
     <p:sldId id="262" r:id="rId8"/>
     <p:sldId id="268" r:id="rId9"/>
-    <p:sldId id="270" r:id="rId10"/>
-    <p:sldId id="271" r:id="rId11"/>
+    <p:sldId id="274" r:id="rId10"/>
+    <p:sldId id="275" r:id="rId11"/>
     <p:sldId id="272" r:id="rId12"/>
+    <p:sldId id="271" r:id="rId13"/>
+    <p:sldId id="276" r:id="rId14"/>
   </p:sldIdLst>
   <p:sldSz cx="9144000" cy="6858000" type="screen4x3"/>
   <p:notesSz cx="6858000" cy="9144000"/>
@@ -122,8 +124,17 @@
 
 <file path=ppt/charts/chart1.xml><?xml version="1.0" encoding="utf-8"?>
 <c:chartSpace xmlns:c="http://schemas.openxmlformats.org/drawingml/2006/chart" xmlns:a="http://schemas.openxmlformats.org/drawingml/2006/main" xmlns:r="http://schemas.openxmlformats.org/officeDocument/2006/relationships">
-  <c:date1904 val="1"/>
+  <c:date1904 val="0"/>
   <c:lang val="de-DE"/>
+  <c:roundedCorners val="0"/>
+  <mc:AlternateContent xmlns:mc="http://schemas.openxmlformats.org/markup-compatibility/2006">
+    <mc:Choice xmlns:c14="http://schemas.microsoft.com/office/drawing/2007/8/2/chart" Requires="c14">
+      <c14:style val="102"/>
+    </mc:Choice>
+    <mc:Fallback>
+      <c:style val="2"/>
+    </mc:Fallback>
+  </mc:AlternateContent>
   <c:chart>
     <c:title>
       <c:tx>
@@ -157,7 +168,9 @@
           <c:y val="2.7860378195644478E-2"/>
         </c:manualLayout>
       </c:layout>
+      <c:overlay val="0"/>
     </c:title>
+    <c:autoTitleDeleted val="0"/>
     <c:plotArea>
       <c:layout>
         <c:manualLayout>
@@ -180,6 +193,7 @@
           </c:tx>
           <c:dPt>
             <c:idx val="0"/>
+            <c:bubble3D val="0"/>
             <c:spPr>
               <a:solidFill>
                 <a:srgbClr val="004586"/>
@@ -193,6 +207,7 @@
           </c:dPt>
           <c:dPt>
             <c:idx val="1"/>
+            <c:bubble3D val="0"/>
             <c:spPr>
               <a:solidFill>
                 <a:srgbClr val="FF420E"/>
@@ -206,6 +221,7 @@
           </c:dPt>
           <c:dPt>
             <c:idx val="2"/>
+            <c:bubble3D val="0"/>
             <c:spPr>
               <a:solidFill>
                 <a:srgbClr val="FFD320"/>
@@ -236,6 +252,12 @@
                   <a:endParaRPr lang="de-DE"/>
                 </a:p>
               </c:txPr>
+              <c:showLegendKey val="0"/>
+              <c:showVal val="1"/>
+              <c:showCatName val="0"/>
+              <c:showSerName val="0"/>
+              <c:showPercent val="0"/>
+              <c:showBubbleSize val="0"/>
             </c:dLbl>
             <c:dLbl>
               <c:idx val="1"/>
@@ -278,7 +300,12 @@
               </c:tx>
               <c:numFmt formatCode="0.00%" sourceLinked="0"/>
               <c:spPr/>
+              <c:showLegendKey val="0"/>
               <c:showVal val="1"/>
+              <c:showCatName val="0"/>
+              <c:showSerName val="0"/>
+              <c:showPercent val="0"/>
+              <c:showBubbleSize val="0"/>
             </c:dLbl>
             <c:dLbl>
               <c:idx val="2"/>
@@ -304,7 +331,12 @@
                   <a:endParaRPr lang="de-DE"/>
                 </a:p>
               </c:txPr>
+              <c:showLegendKey val="0"/>
               <c:showVal val="1"/>
+              <c:showCatName val="0"/>
+              <c:showSerName val="0"/>
+              <c:showPercent val="0"/>
+              <c:showBubbleSize val="0"/>
             </c:dLbl>
             <c:numFmt formatCode="0.00%" sourceLinked="0"/>
             <c:txPr>
@@ -317,7 +349,12 @@
                 <a:endParaRPr lang="de-DE"/>
               </a:p>
             </c:txPr>
+            <c:showLegendKey val="0"/>
             <c:showVal val="1"/>
+            <c:showCatName val="0"/>
+            <c:showSerName val="0"/>
+            <c:showPercent val="0"/>
+            <c:showBubbleSize val="0"/>
             <c:showLeaderLines val="1"/>
           </c:dLbls>
           <c:cat>
@@ -350,6 +387,15 @@
             </c:numLit>
           </c:val>
         </c:ser>
+        <c:dLbls>
+          <c:showLegendKey val="0"/>
+          <c:showVal val="0"/>
+          <c:showCatName val="0"/>
+          <c:showSerName val="0"/>
+          <c:showPercent val="0"/>
+          <c:showBubbleSize val="0"/>
+          <c:showLeaderLines val="1"/>
+        </c:dLbls>
         <c:firstSliceAng val="0"/>
       </c:pieChart>
       <c:spPr>
@@ -372,6 +418,7 @@
           <c:h val="8.6634085209350425E-2"/>
         </c:manualLayout>
       </c:layout>
+      <c:overlay val="0"/>
       <c:spPr>
         <a:noFill/>
         <a:ln>
@@ -390,13 +437,17 @@
       </c:txPr>
     </c:legend>
     <c:plotVisOnly val="1"/>
+    <c:dispBlanksAs val="gap"/>
+    <c:showDLblsOverMax val="0"/>
   </c:chart>
   <c:spPr>
     <a:ln>
       <a:noFill/>
     </a:ln>
   </c:spPr>
-  <c:externalData r:id="rId1"/>
+  <c:externalData r:id="rId1">
+    <c:autoUpdate val="0"/>
+  </c:externalData>
 </c:chartSpace>
 </file>
 
@@ -483,7 +534,7 @@
             <a:fld id="{102D7A37-7F7C-4F50-8912-05CAF1FE80D2}" type="datetimeFigureOut">
               <a:rPr lang="de-DE" smtClean="0"/>
               <a:pPr/>
-              <a:t>15.01.2013</a:t>
+              <a:t>16.01.2013</a:t>
             </a:fld>
             <a:endParaRPr lang="de-DE"/>
           </a:p>
@@ -652,6 +703,11 @@
         </p:txBody>
       </p:sp>
     </p:spTree>
+    <p:extLst>
+      <p:ext uri="{BB962C8B-B14F-4D97-AF65-F5344CB8AC3E}">
+        <p14:creationId xmlns:p14="http://schemas.microsoft.com/office/powerpoint/2010/main" val="3316885308"/>
+      </p:ext>
+    </p:extLst>
   </p:cSld>
   <p:clrMap bg1="lt1" tx1="dk1" bg2="lt2" tx2="dk2" accent1="accent1" accent2="accent2" accent3="accent3" accent4="accent4" accent5="accent5" accent6="accent6" hlink="hlink" folHlink="folHlink"/>
   <p:notesStyle>
@@ -749,6 +805,156 @@
 </p:notesMaster>
 </file>
 
+<file path=ppt/notesSlides/notesSlide1.xml><?xml version="1.0" encoding="utf-8"?>
+<p:notes xmlns:a="http://schemas.openxmlformats.org/drawingml/2006/main" xmlns:r="http://schemas.openxmlformats.org/officeDocument/2006/relationships" xmlns:p="http://schemas.openxmlformats.org/presentationml/2006/main">
+  <p:cSld>
+    <p:spTree>
+      <p:nvGrpSpPr>
+        <p:cNvPr id="1" name=""/>
+        <p:cNvGrpSpPr/>
+        <p:nvPr/>
+      </p:nvGrpSpPr>
+      <p:grpSpPr>
+        <a:xfrm>
+          <a:off x="0" y="0"/>
+          <a:ext cx="0" cy="0"/>
+          <a:chOff x="0" y="0"/>
+          <a:chExt cx="0" cy="0"/>
+        </a:xfrm>
+      </p:grpSpPr>
+      <p:sp>
+        <p:nvSpPr>
+          <p:cNvPr id="2" name="Folienbildplatzhalter 1"/>
+          <p:cNvSpPr>
+            <a:spLocks noGrp="1" noRot="1" noChangeAspect="1"/>
+          </p:cNvSpPr>
+          <p:nvPr>
+            <p:ph type="sldImg"/>
+          </p:nvPr>
+        </p:nvSpPr>
+        <p:spPr>
+          <a:xfrm>
+            <a:off x="1143000" y="695325"/>
+            <a:ext cx="4570413" cy="3427413"/>
+          </a:xfrm>
+          <a:solidFill>
+            <a:srgbClr val="4F81BD"/>
+          </a:solidFill>
+          <a:ln w="25402">
+            <a:solidFill>
+              <a:srgbClr val="385D8A"/>
+            </a:solidFill>
+            <a:prstDash val="solid"/>
+          </a:ln>
+        </p:spPr>
+      </p:sp>
+      <p:sp>
+        <p:nvSpPr>
+          <p:cNvPr id="3" name="Notizenplatzhalter 2"/>
+          <p:cNvSpPr txBox="1">
+            <a:spLocks noGrp="1"/>
+          </p:cNvSpPr>
+          <p:nvPr>
+            <p:ph type="body" sz="quarter" idx="1"/>
+          </p:nvPr>
+        </p:nvSpPr>
+        <p:spPr>
+          <a:xfrm>
+            <a:off x="685828" y="4343324"/>
+            <a:ext cx="5486309" cy="4114871"/>
+          </a:xfrm>
+        </p:spPr>
+        <p:txBody>
+          <a:bodyPr/>
+          <a:lstStyle/>
+          <a:p>
+            <a:endParaRPr lang="de-DE"/>
+          </a:p>
+        </p:txBody>
+      </p:sp>
+    </p:spTree>
+  </p:cSld>
+  <p:clrMapOvr>
+    <a:masterClrMapping/>
+  </p:clrMapOvr>
+</p:notes>
+</file>
+
+<file path=ppt/notesSlides/notesSlide2.xml><?xml version="1.0" encoding="utf-8"?>
+<p:notes xmlns:a="http://schemas.openxmlformats.org/drawingml/2006/main" xmlns:r="http://schemas.openxmlformats.org/officeDocument/2006/relationships" xmlns:p="http://schemas.openxmlformats.org/presentationml/2006/main">
+  <p:cSld>
+    <p:spTree>
+      <p:nvGrpSpPr>
+        <p:cNvPr id="1" name=""/>
+        <p:cNvGrpSpPr/>
+        <p:nvPr/>
+      </p:nvGrpSpPr>
+      <p:grpSpPr>
+        <a:xfrm>
+          <a:off x="0" y="0"/>
+          <a:ext cx="0" cy="0"/>
+          <a:chOff x="0" y="0"/>
+          <a:chExt cx="0" cy="0"/>
+        </a:xfrm>
+      </p:grpSpPr>
+      <p:sp>
+        <p:nvSpPr>
+          <p:cNvPr id="2" name="Folienbildplatzhalter 1"/>
+          <p:cNvSpPr>
+            <a:spLocks noGrp="1" noRot="1" noChangeAspect="1"/>
+          </p:cNvSpPr>
+          <p:nvPr>
+            <p:ph type="sldImg"/>
+          </p:nvPr>
+        </p:nvSpPr>
+        <p:spPr>
+          <a:xfrm>
+            <a:off x="1143000" y="695325"/>
+            <a:ext cx="4570413" cy="3427413"/>
+          </a:xfrm>
+          <a:solidFill>
+            <a:srgbClr val="4F81BD"/>
+          </a:solidFill>
+          <a:ln w="25402">
+            <a:solidFill>
+              <a:srgbClr val="385D8A"/>
+            </a:solidFill>
+            <a:prstDash val="solid"/>
+          </a:ln>
+        </p:spPr>
+      </p:sp>
+      <p:sp>
+        <p:nvSpPr>
+          <p:cNvPr id="3" name="Notizenplatzhalter 2"/>
+          <p:cNvSpPr txBox="1">
+            <a:spLocks noGrp="1"/>
+          </p:cNvSpPr>
+          <p:nvPr>
+            <p:ph type="body" sz="quarter" idx="1"/>
+          </p:nvPr>
+        </p:nvSpPr>
+        <p:spPr>
+          <a:xfrm>
+            <a:off x="685828" y="4343324"/>
+            <a:ext cx="5486309" cy="4114871"/>
+          </a:xfrm>
+        </p:spPr>
+        <p:txBody>
+          <a:bodyPr/>
+          <a:lstStyle/>
+          <a:p>
+            <a:endParaRPr lang="de-DE"/>
+          </a:p>
+        </p:txBody>
+      </p:sp>
+    </p:spTree>
+  </p:cSld>
+  <p:clrMapOvr>
+    <a:masterClrMapping/>
+  </p:clrMapOvr>
+</p:notes>
+</file>
+
 <file path=ppt/slideLayouts/slideLayout1.xml><?xml version="1.0" encoding="utf-8"?>
 <p:sldLayout xmlns:a="http://schemas.openxmlformats.org/drawingml/2006/main" xmlns:r="http://schemas.openxmlformats.org/officeDocument/2006/relationships" xmlns:p="http://schemas.openxmlformats.org/presentationml/2006/main" type="title" preserve="1">
   <p:cSld name="Titelfolie">
@@ -931,7 +1137,7 @@
             <a:fld id="{AD5210A8-237B-40AC-B04E-E134679A7FD9}" type="datetime1">
               <a:rPr lang="de-DE" smtClean="0"/>
               <a:pPr/>
-              <a:t>15.01.2013</a:t>
+              <a:t>16.01.2013</a:t>
             </a:fld>
             <a:endParaRPr lang="de-DE"/>
           </a:p>
@@ -1098,7 +1304,7 @@
             <a:fld id="{0BEBAFEA-AF26-4B0A-829A-81235F276748}" type="datetime1">
               <a:rPr lang="de-DE" smtClean="0"/>
               <a:pPr/>
-              <a:t>15.01.2013</a:t>
+              <a:t>16.01.2013</a:t>
             </a:fld>
             <a:endParaRPr lang="de-DE"/>
           </a:p>
@@ -1275,7 +1481,7 @@
             <a:fld id="{56CB4CF3-97EE-4222-B7E8-3A274816DA08}" type="datetime1">
               <a:rPr lang="de-DE" smtClean="0"/>
               <a:pPr/>
-              <a:t>15.01.2013</a:t>
+              <a:t>16.01.2013</a:t>
             </a:fld>
             <a:endParaRPr lang="de-DE"/>
           </a:p>
@@ -1442,7 +1648,7 @@
             <a:fld id="{257EC199-5C6F-49EF-A39A-81A9E8122708}" type="datetime1">
               <a:rPr lang="de-DE" smtClean="0"/>
               <a:pPr/>
-              <a:t>15.01.2013</a:t>
+              <a:t>16.01.2013</a:t>
             </a:fld>
             <a:endParaRPr lang="de-DE"/>
           </a:p>
@@ -1685,7 +1891,7 @@
             <a:fld id="{085D7439-7515-4427-A5E9-8E6D310DA96F}" type="datetime1">
               <a:rPr lang="de-DE" smtClean="0"/>
               <a:pPr/>
-              <a:t>15.01.2013</a:t>
+              <a:t>16.01.2013</a:t>
             </a:fld>
             <a:endParaRPr lang="de-DE"/>
           </a:p>
@@ -1970,7 +2176,7 @@
             <a:fld id="{CC76DFD2-6DEF-433B-98E3-C3107A425DEF}" type="datetime1">
               <a:rPr lang="de-DE" smtClean="0"/>
               <a:pPr/>
-              <a:t>15.01.2013</a:t>
+              <a:t>16.01.2013</a:t>
             </a:fld>
             <a:endParaRPr lang="de-DE"/>
           </a:p>
@@ -2389,7 +2595,7 @@
             <a:fld id="{EC5A01BA-EFB9-4AC7-AD8F-782E659893CD}" type="datetime1">
               <a:rPr lang="de-DE" smtClean="0"/>
               <a:pPr/>
-              <a:t>15.01.2013</a:t>
+              <a:t>16.01.2013</a:t>
             </a:fld>
             <a:endParaRPr lang="de-DE"/>
           </a:p>
@@ -2504,7 +2710,7 @@
             <a:fld id="{B8956735-051C-46B9-84CB-B92BFE969C5A}" type="datetime1">
               <a:rPr lang="de-DE" smtClean="0"/>
               <a:pPr/>
-              <a:t>15.01.2013</a:t>
+              <a:t>16.01.2013</a:t>
             </a:fld>
             <a:endParaRPr lang="de-DE"/>
           </a:p>
@@ -2596,7 +2802,7 @@
             <a:fld id="{309B224B-E2C9-4966-88F3-4FE3AE3F2A29}" type="datetime1">
               <a:rPr lang="de-DE" smtClean="0"/>
               <a:pPr/>
-              <a:t>15.01.2013</a:t>
+              <a:t>16.01.2013</a:t>
             </a:fld>
             <a:endParaRPr lang="de-DE"/>
           </a:p>
@@ -2870,7 +3076,7 @@
             <a:fld id="{56767AAF-E235-40BE-8EF6-AD9E7C93F452}" type="datetime1">
               <a:rPr lang="de-DE" smtClean="0"/>
               <a:pPr/>
-              <a:t>15.01.2013</a:t>
+              <a:t>16.01.2013</a:t>
             </a:fld>
             <a:endParaRPr lang="de-DE"/>
           </a:p>
@@ -3120,7 +3326,7 @@
             <a:fld id="{F130D36F-66D4-4B23-BB58-82F6E2218C7C}" type="datetime1">
               <a:rPr lang="de-DE" smtClean="0"/>
               <a:pPr/>
-              <a:t>15.01.2013</a:t>
+              <a:t>16.01.2013</a:t>
             </a:fld>
             <a:endParaRPr lang="de-DE"/>
           </a:p>
@@ -3333,7 +3539,7 @@
             <a:fld id="{8D9C9D63-700E-466B-8C2F-7C9FD5769444}" type="datetime1">
               <a:rPr lang="de-DE" smtClean="0"/>
               <a:pPr/>
-              <a:t>15.01.2013</a:t>
+              <a:t>16.01.2013</a:t>
             </a:fld>
             <a:endParaRPr lang="de-DE"/>
           </a:p>
@@ -3795,10 +4001,19 @@
                   </a:schemeClr>
                 </a:solidFill>
               </a:rPr>
-              <a:t>Johannes Häussler</a:t>
-            </a:r>
-          </a:p>
-          <a:p>
+              <a:t>Johannes Häu</a:t>
+            </a:r>
+            <a:r>
+              <a:rPr lang="de-DE" dirty="0">
+                <a:solidFill>
+                  <a:schemeClr val="tx2">
+                    <a:lumMod val="20000"/>
+                    <a:lumOff val="80000"/>
+                  </a:schemeClr>
+                </a:solidFill>
+              </a:rPr>
+              <a:t>ß</a:t>
+            </a:r>
             <a:r>
               <a:rPr lang="de-DE" dirty="0" smtClean="0">
                 <a:solidFill>
@@ -3808,7 +4023,20 @@
                   </a:schemeClr>
                 </a:solidFill>
               </a:rPr>
-              <a:t>Jan Philipp Jägers</a:t>
+              <a:t>ler</a:t>
+            </a:r>
+          </a:p>
+          <a:p>
+            <a:r>
+              <a:rPr lang="de-DE" dirty="0" smtClean="0">
+                <a:solidFill>
+                  <a:schemeClr val="tx2">
+                    <a:lumMod val="20000"/>
+                    <a:lumOff val="80000"/>
+                  </a:schemeClr>
+                </a:solidFill>
+              </a:rPr>
+              <a:t>Jan-Philipp Jägers</a:t>
             </a:r>
           </a:p>
           <a:p>
@@ -3900,233 +4128,1083 @@
       <p:sp>
         <p:nvSpPr>
           <p:cNvPr id="2" name="Titel 1"/>
-          <p:cNvSpPr>
-            <a:spLocks noGrp="1"/>
-          </p:cNvSpPr>
-          <p:nvPr>
-            <p:ph type="title"/>
-          </p:nvPr>
-        </p:nvSpPr>
-        <p:spPr/>
-        <p:txBody>
-          <a:bodyPr/>
-          <a:lstStyle/>
-          <a:p>
-            <a:endParaRPr lang="de-DE"/>
-          </a:p>
-        </p:txBody>
-      </p:sp>
-      <p:sp>
-        <p:nvSpPr>
-          <p:cNvPr id="3" name="Inhaltsplatzhalter 2"/>
-          <p:cNvSpPr>
-            <a:spLocks noGrp="1"/>
-          </p:cNvSpPr>
-          <p:nvPr>
-            <p:ph idx="1"/>
-          </p:nvPr>
-        </p:nvSpPr>
-        <p:spPr/>
+          <p:cNvSpPr txBox="1">
+            <a:spLocks noGrp="1"/>
+          </p:cNvSpPr>
+          <p:nvPr>
+            <p:ph type="title" idx="4294967295"/>
+          </p:nvPr>
+        </p:nvSpPr>
+        <p:spPr>
+          <a:xfrm>
+            <a:off x="0" y="0"/>
+            <a:ext cx="9143643" cy="1417320"/>
+          </a:xfrm>
+          <a:solidFill>
+            <a:srgbClr val="205689"/>
+          </a:solidFill>
+          <a:ln w="9528">
+            <a:solidFill>
+              <a:srgbClr val="205689"/>
+            </a:solidFill>
+            <a:prstDash val="solid"/>
+          </a:ln>
+        </p:spPr>
         <p:txBody>
           <a:bodyPr>
             <a:normAutofit/>
           </a:bodyPr>
           <a:lstStyle/>
           <a:p>
+            <a:pPr lvl="0" algn="l">
+              <a:buNone/>
+            </a:pPr>
             <a:r>
               <a:rPr lang="de-DE" dirty="0" smtClean="0">
-                <a:ea typeface="SimSun" pitchFamily="2"/>
-                <a:cs typeface="Mangal" pitchFamily="2"/>
+                <a:solidFill>
+                  <a:srgbClr val="FFFFFF"/>
+                </a:solidFill>
               </a:rPr>
-              <a:t>Logbuch</a:t>
-            </a:r>
-          </a:p>
-          <a:p>
-            <a:pPr lvl="1"/>
-            <a:r>
-              <a:rPr lang="de-DE" sz="3200" dirty="0" smtClean="0">
-                <a:ea typeface="SimSun" pitchFamily="2"/>
-                <a:cs typeface="Mangal" pitchFamily="2"/>
-              </a:rPr>
-              <a:t>Erstellen</a:t>
-            </a:r>
-          </a:p>
-          <a:p>
-            <a:pPr lvl="1"/>
-            <a:r>
-              <a:rPr lang="de-DE" sz="3200" dirty="0" smtClean="0">
-                <a:ea typeface="SimSun" pitchFamily="2"/>
-                <a:cs typeface="Mangal" pitchFamily="2"/>
-              </a:rPr>
-              <a:t>Editieren</a:t>
-            </a:r>
-          </a:p>
-          <a:p>
-            <a:pPr lvl="1"/>
-            <a:r>
-              <a:rPr lang="de-DE" sz="3200" dirty="0" smtClean="0">
-                <a:ea typeface="SimSun" pitchFamily="2"/>
-                <a:cs typeface="Mangal" pitchFamily="2"/>
-              </a:rPr>
-              <a:t>Löschen</a:t>
-            </a:r>
-          </a:p>
-          <a:p>
-            <a:r>
-              <a:rPr lang="de-DE" dirty="0" err="1" smtClean="0">
-                <a:ea typeface="SimSun" pitchFamily="2"/>
-                <a:cs typeface="Mangal" pitchFamily="2"/>
-              </a:rPr>
-              <a:t>Smartgwt</a:t>
-            </a:r>
-            <a:endParaRPr lang="de-DE" dirty="0" smtClean="0">
-              <a:ea typeface="SimSun" pitchFamily="2"/>
-              <a:cs typeface="Mangal" pitchFamily="2"/>
+              <a:t>	Architektur</a:t>
+            </a:r>
+            <a:endParaRPr lang="de-DE" sz="2400" dirty="0">
+              <a:solidFill>
+                <a:srgbClr val="FFFFFF"/>
+              </a:solidFill>
             </a:endParaRPr>
           </a:p>
-          <a:p>
-            <a:r>
-              <a:rPr lang="de-DE" dirty="0" smtClean="0">
-                <a:ea typeface="SimSun" pitchFamily="2"/>
-                <a:cs typeface="Mangal" pitchFamily="2"/>
-              </a:rPr>
-              <a:t>RPC (Server ↔ Client)</a:t>
-            </a:r>
-          </a:p>
-          <a:p>
-            <a:r>
-              <a:rPr lang="de-DE" dirty="0" err="1" smtClean="0">
-                <a:ea typeface="SimSun" pitchFamily="2"/>
-                <a:cs typeface="Mangal" pitchFamily="2"/>
-              </a:rPr>
-              <a:t>mysql-connector</a:t>
-            </a:r>
-            <a:endParaRPr lang="de-DE" dirty="0" smtClean="0">
-              <a:ea typeface="SimSun" pitchFamily="2"/>
-              <a:cs typeface="Mangal" pitchFamily="2"/>
-            </a:endParaRPr>
-          </a:p>
-          <a:p>
-            <a:endParaRPr lang="de-DE" dirty="0"/>
-          </a:p>
-        </p:txBody>
-      </p:sp>
-      <p:sp>
-        <p:nvSpPr>
-          <p:cNvPr id="4" name="Foliennummernplatzhalter 3"/>
-          <p:cNvSpPr>
-            <a:spLocks noGrp="1"/>
-          </p:cNvSpPr>
-          <p:nvPr>
-            <p:ph type="sldNum" sz="quarter" idx="12"/>
-          </p:nvPr>
-        </p:nvSpPr>
-        <p:spPr/>
-        <p:txBody>
-          <a:bodyPr/>
-          <a:lstStyle/>
-          <a:p>
-            <a:fld id="{B8B5D93F-86B1-4750-B826-F8457AD72B6E}" type="slidenum">
-              <a:rPr lang="de-DE" smtClean="0"/>
-              <a:pPr/>
-              <a:t>10</a:t>
-            </a:fld>
-            <a:endParaRPr lang="de-DE"/>
-          </a:p>
-        </p:txBody>
-      </p:sp>
-      <p:sp>
-        <p:nvSpPr>
-          <p:cNvPr id="5" name="Titel 1"/>
-          <p:cNvSpPr txBox="1">
-            <a:spLocks/>
-          </p:cNvSpPr>
+        </p:txBody>
+      </p:sp>
+      <p:pic>
+        <p:nvPicPr>
+          <p:cNvPr id="5" name="Picture 2" descr="C:\Users\JP\Downloads\1358309050_gnome-mime-application-xhtml+xml.png"/>
+          <p:cNvPicPr>
+            <a:picLocks noChangeAspect="1"/>
+          </p:cNvPicPr>
           <p:nvPr/>
-        </p:nvSpPr>
-        <p:spPr>
-          <a:xfrm>
-            <a:off x="0" y="0"/>
-            <a:ext cx="9144000" cy="1417638"/>
+        </p:nvPicPr>
+        <p:blipFill>
+          <a:blip r:embed="rId3"/>
+          <a:srcRect/>
+          <a:stretch>
+            <a:fillRect/>
+          </a:stretch>
+        </p:blipFill>
+        <p:spPr>
+          <a:xfrm>
+            <a:off x="864071" y="3109609"/>
+            <a:ext cx="504053" cy="504053"/>
           </a:xfrm>
           <a:prstGeom prst="rect">
             <a:avLst/>
           </a:prstGeom>
-          <a:solidFill>
-            <a:srgbClr val="205689"/>
-          </a:solidFill>
+          <a:noFill/>
           <a:ln>
-            <a:solidFill>
-              <a:srgbClr val="205689"/>
-            </a:solidFill>
+            <a:noFill/>
           </a:ln>
         </p:spPr>
-        <p:txBody>
-          <a:bodyPr vert="horz" lIns="91440" tIns="45720" rIns="91440" bIns="45720" rtlCol="0" anchor="ctr">
-            <a:normAutofit/>
+      </p:pic>
+      <p:sp>
+        <p:nvSpPr>
+          <p:cNvPr id="6" name="Textfeld 8"/>
+          <p:cNvSpPr txBox="1"/>
+          <p:nvPr/>
+        </p:nvSpPr>
+        <p:spPr>
+          <a:xfrm>
+            <a:off x="1332609" y="3176973"/>
+            <a:ext cx="1872206" cy="369335"/>
+          </a:xfrm>
+          <a:prstGeom prst="rect">
+            <a:avLst/>
+          </a:prstGeom>
+          <a:noFill/>
+          <a:ln>
+            <a:noFill/>
+          </a:ln>
+        </p:spPr>
+        <p:txBody>
+          <a:bodyPr vert="horz" wrap="square" lIns="91440" tIns="45720" rIns="91440" bIns="45720" anchor="t" anchorCtr="0" compatLnSpc="1">
+            <a:spAutoFit/>
           </a:bodyPr>
           <a:lstStyle/>
           <a:p>
-            <a:pPr marL="0" marR="0" lvl="0" indent="0" algn="l" defTabSz="914400" rtl="0" eaLnBrk="1" fontAlgn="auto" latinLnBrk="0" hangingPunct="1">
+            <a:pPr marL="0" marR="0" lvl="0" indent="0" algn="l" defTabSz="914400" rtl="0" fontAlgn="auto" hangingPunct="1">
               <a:lnSpc>
                 <a:spcPct val="100000"/>
               </a:lnSpc>
               <a:spcBef>
-                <a:spcPct val="0"/>
+                <a:spcPts val="0"/>
               </a:spcBef>
               <a:spcAft>
                 <a:spcPts val="0"/>
               </a:spcAft>
-              <a:buClrTx/>
-              <a:buSzTx/>
-              <a:buFontTx/>
               <a:buNone/>
               <a:tabLst/>
-              <a:defRPr/>
+              <a:defRPr sz="1800" b="0" i="0" u="none" strike="noStrike" kern="0" cap="none" spc="0" baseline="0">
+                <a:solidFill>
+                  <a:srgbClr val="000000"/>
+                </a:solidFill>
+                <a:uFillTx/>
+              </a:defRPr>
             </a:pPr>
             <a:r>
-              <a:rPr kumimoji="0" lang="de-DE" sz="4400" b="0" i="0" u="none" strike="noStrike" kern="1200" cap="none" spc="0" normalizeH="0" baseline="0" noProof="0" dirty="0" smtClean="0">
-                <a:ln>
-                  <a:noFill/>
-                </a:ln>
+              <a:rPr lang="de-DE" sz="1800" b="0" i="0" u="none" strike="noStrike" kern="1200" cap="none" spc="0" baseline="0">
                 <a:solidFill>
-                  <a:schemeClr val="bg1"/>
+                  <a:srgbClr val="000000"/>
                 </a:solidFill>
-                <a:effectLst/>
-                <a:uLnTx/>
                 <a:uFillTx/>
-                <a:latin typeface="+mj-lt"/>
-                <a:ea typeface="+mj-ea"/>
-                <a:cs typeface="+mj-cs"/>
+                <a:latin typeface="Calibri"/>
               </a:rPr>
-              <a:t>	GWT – Logbuchverwaltung</a:t>
-            </a:r>
-            <a:endParaRPr kumimoji="0" lang="de-DE" sz="4400" b="0" i="0" u="none" strike="noStrike" kern="1200" cap="none" spc="0" normalizeH="0" baseline="0" noProof="0" dirty="0">
-              <a:ln>
-                <a:noFill/>
-              </a:ln>
-              <a:solidFill>
-                <a:schemeClr val="bg1"/>
-              </a:solidFill>
-              <a:effectLst/>
-              <a:uLnTx/>
-              <a:uFillTx/>
-              <a:latin typeface="+mj-lt"/>
-              <a:ea typeface="+mj-ea"/>
-              <a:cs typeface="+mj-cs"/>
-            </a:endParaRPr>
+              <a:t>Logbooks</a:t>
+            </a:r>
           </a:p>
         </p:txBody>
       </p:sp>
       <p:pic>
         <p:nvPicPr>
-          <p:cNvPr id="6" name="Picture 2" descr="C:\Users\Anja Krüger\Desktop\Icon-large.png"/>
+          <p:cNvPr id="7" name="Picture 2" descr="C:\Users\JP\Downloads\1358309050_gnome-mime-application-xhtml+xml.png"/>
+          <p:cNvPicPr>
+            <a:picLocks noChangeAspect="1"/>
+          </p:cNvPicPr>
+          <p:nvPr/>
+        </p:nvPicPr>
+        <p:blipFill>
+          <a:blip r:embed="rId3"/>
+          <a:srcRect/>
+          <a:stretch>
+            <a:fillRect/>
+          </a:stretch>
+        </p:blipFill>
+        <p:spPr>
+          <a:xfrm>
+            <a:off x="864071" y="4180088"/>
+            <a:ext cx="504053" cy="504053"/>
+          </a:xfrm>
+          <a:prstGeom prst="rect">
+            <a:avLst/>
+          </a:prstGeom>
+          <a:noFill/>
+          <a:ln>
+            <a:noFill/>
+          </a:ln>
+        </p:spPr>
+      </p:pic>
+      <p:sp>
+        <p:nvSpPr>
+          <p:cNvPr id="8" name="Textfeld 11"/>
+          <p:cNvSpPr txBox="1"/>
+          <p:nvPr/>
+        </p:nvSpPr>
+        <p:spPr>
+          <a:xfrm>
+            <a:off x="1332609" y="4247452"/>
+            <a:ext cx="706291" cy="369335"/>
+          </a:xfrm>
+          <a:prstGeom prst="rect">
+            <a:avLst/>
+          </a:prstGeom>
+          <a:noFill/>
+          <a:ln>
+            <a:noFill/>
+          </a:ln>
+        </p:spPr>
+        <p:txBody>
+          <a:bodyPr vert="horz" wrap="square" lIns="91440" tIns="45720" rIns="91440" bIns="45720" anchor="t" anchorCtr="0" compatLnSpc="1">
+            <a:spAutoFit/>
+          </a:bodyPr>
+          <a:lstStyle/>
+          <a:p>
+            <a:pPr marL="0" marR="0" lvl="0" indent="0" algn="l" defTabSz="914400" rtl="0" fontAlgn="auto" hangingPunct="1">
+              <a:lnSpc>
+                <a:spcPct val="100000"/>
+              </a:lnSpc>
+              <a:spcBef>
+                <a:spcPts val="0"/>
+              </a:spcBef>
+              <a:spcAft>
+                <a:spcPts val="0"/>
+              </a:spcAft>
+              <a:buNone/>
+              <a:tabLst/>
+              <a:defRPr sz="1800" b="0" i="0" u="none" strike="noStrike" kern="0" cap="none" spc="0" baseline="0">
+                <a:solidFill>
+                  <a:srgbClr val="000000"/>
+                </a:solidFill>
+                <a:uFillTx/>
+              </a:defRPr>
+            </a:pPr>
+            <a:r>
+              <a:rPr lang="de-DE" sz="1800" b="0" i="0" u="none" strike="noStrike" kern="1200" cap="none" spc="0" baseline="0">
+                <a:solidFill>
+                  <a:srgbClr val="000000"/>
+                </a:solidFill>
+                <a:uFillTx/>
+                <a:latin typeface="Calibri"/>
+              </a:rPr>
+              <a:t>Trips</a:t>
+            </a:r>
+          </a:p>
+        </p:txBody>
+      </p:sp>
+      <p:pic>
+        <p:nvPicPr>
+          <p:cNvPr id="9" name="Picture 2" descr="C:\Users\JP\Downloads\1358309050_gnome-mime-application-xhtml+xml.png"/>
+          <p:cNvPicPr>
+            <a:picLocks noChangeAspect="1"/>
+          </p:cNvPicPr>
+          <p:nvPr/>
+        </p:nvPicPr>
+        <p:blipFill>
+          <a:blip r:embed="rId3"/>
+          <a:srcRect/>
+          <a:stretch>
+            <a:fillRect/>
+          </a:stretch>
+        </p:blipFill>
+        <p:spPr>
+          <a:xfrm>
+            <a:off x="864071" y="5629887"/>
+            <a:ext cx="504053" cy="504053"/>
+          </a:xfrm>
+          <a:prstGeom prst="rect">
+            <a:avLst/>
+          </a:prstGeom>
+          <a:noFill/>
+          <a:ln>
+            <a:noFill/>
+          </a:ln>
+        </p:spPr>
+      </p:pic>
+      <p:sp>
+        <p:nvSpPr>
+          <p:cNvPr id="10" name="Textfeld 13"/>
+          <p:cNvSpPr txBox="1"/>
+          <p:nvPr/>
+        </p:nvSpPr>
+        <p:spPr>
+          <a:xfrm>
+            <a:off x="1332609" y="5697251"/>
+            <a:ext cx="1872206" cy="369335"/>
+          </a:xfrm>
+          <a:prstGeom prst="rect">
+            <a:avLst/>
+          </a:prstGeom>
+          <a:noFill/>
+          <a:ln>
+            <a:noFill/>
+          </a:ln>
+        </p:spPr>
+        <p:txBody>
+          <a:bodyPr vert="horz" wrap="square" lIns="91440" tIns="45720" rIns="91440" bIns="45720" anchor="t" anchorCtr="0" compatLnSpc="1">
+            <a:spAutoFit/>
+          </a:bodyPr>
+          <a:lstStyle/>
+          <a:p>
+            <a:pPr marL="0" marR="0" lvl="0" indent="0" algn="l" defTabSz="914400" rtl="0" fontAlgn="auto" hangingPunct="1">
+              <a:lnSpc>
+                <a:spcPct val="100000"/>
+              </a:lnSpc>
+              <a:spcBef>
+                <a:spcPts val="0"/>
+              </a:spcBef>
+              <a:spcAft>
+                <a:spcPts val="0"/>
+              </a:spcAft>
+              <a:buNone/>
+              <a:tabLst/>
+              <a:defRPr sz="1800" b="0" i="0" u="none" strike="noStrike" kern="0" cap="none" spc="0" baseline="0">
+                <a:solidFill>
+                  <a:srgbClr val="000000"/>
+                </a:solidFill>
+                <a:uFillTx/>
+              </a:defRPr>
+            </a:pPr>
+            <a:r>
+              <a:rPr lang="de-DE" sz="1800" b="0" i="0" u="none" strike="noStrike" kern="1200" cap="none" spc="0" baseline="0">
+                <a:solidFill>
+                  <a:srgbClr val="000000"/>
+                </a:solidFill>
+                <a:uFillTx/>
+                <a:latin typeface="Calibri"/>
+              </a:rPr>
+              <a:t>Trip</a:t>
+            </a:r>
+          </a:p>
+        </p:txBody>
+      </p:sp>
+      <p:sp>
+        <p:nvSpPr>
+          <p:cNvPr id="11" name="Textfeld 14"/>
+          <p:cNvSpPr txBox="1"/>
+          <p:nvPr/>
+        </p:nvSpPr>
+        <p:spPr>
+          <a:xfrm>
+            <a:off x="864071" y="2196105"/>
+            <a:ext cx="971623" cy="369335"/>
+          </a:xfrm>
+          <a:prstGeom prst="rect">
+            <a:avLst/>
+          </a:prstGeom>
+          <a:noFill/>
+          <a:ln>
+            <a:noFill/>
+          </a:ln>
+        </p:spPr>
+        <p:txBody>
+          <a:bodyPr vert="horz" wrap="square" lIns="91440" tIns="45720" rIns="91440" bIns="45720" anchor="t" anchorCtr="0" compatLnSpc="1">
+            <a:spAutoFit/>
+          </a:bodyPr>
+          <a:lstStyle/>
+          <a:p>
+            <a:pPr marL="0" marR="0" lvl="0" indent="0" algn="l" defTabSz="914400" rtl="0" fontAlgn="auto" hangingPunct="1">
+              <a:lnSpc>
+                <a:spcPct val="100000"/>
+              </a:lnSpc>
+              <a:spcBef>
+                <a:spcPts val="0"/>
+              </a:spcBef>
+              <a:spcAft>
+                <a:spcPts val="0"/>
+              </a:spcAft>
+              <a:buNone/>
+              <a:tabLst/>
+              <a:defRPr sz="1800" b="0" i="0" u="none" strike="noStrike" kern="0" cap="none" spc="0" baseline="0">
+                <a:solidFill>
+                  <a:srgbClr val="000000"/>
+                </a:solidFill>
+                <a:uFillTx/>
+              </a:defRPr>
+            </a:pPr>
+            <a:r>
+              <a:rPr lang="de-DE" sz="1800" b="0" i="0" u="none" strike="noStrike" kern="1200" cap="none" spc="0" baseline="0">
+                <a:solidFill>
+                  <a:srgbClr val="000000"/>
+                </a:solidFill>
+                <a:uFillTx/>
+                <a:latin typeface="Calibri"/>
+              </a:rPr>
+              <a:t>html</a:t>
+            </a:r>
+          </a:p>
+        </p:txBody>
+      </p:sp>
+      <p:sp>
+        <p:nvSpPr>
+          <p:cNvPr id="12" name="Textfeld 15"/>
+          <p:cNvSpPr txBox="1"/>
+          <p:nvPr/>
+        </p:nvSpPr>
+        <p:spPr>
+          <a:xfrm>
+            <a:off x="2038892" y="1581153"/>
+            <a:ext cx="793059" cy="369335"/>
+          </a:xfrm>
+          <a:prstGeom prst="rect">
+            <a:avLst/>
+          </a:prstGeom>
+          <a:noFill/>
+          <a:ln>
+            <a:noFill/>
+          </a:ln>
+        </p:spPr>
+        <p:txBody>
+          <a:bodyPr vert="horz" wrap="square" lIns="91440" tIns="45720" rIns="91440" bIns="45720" anchor="t" anchorCtr="0" compatLnSpc="1">
+            <a:spAutoFit/>
+          </a:bodyPr>
+          <a:lstStyle/>
+          <a:p>
+            <a:pPr marL="0" marR="0" lvl="0" indent="0" algn="l" defTabSz="914400" rtl="0" fontAlgn="auto" hangingPunct="1">
+              <a:lnSpc>
+                <a:spcPct val="100000"/>
+              </a:lnSpc>
+              <a:spcBef>
+                <a:spcPts val="0"/>
+              </a:spcBef>
+              <a:spcAft>
+                <a:spcPts val="0"/>
+              </a:spcAft>
+              <a:buNone/>
+              <a:tabLst/>
+              <a:defRPr sz="1800" b="0" i="0" u="none" strike="noStrike" kern="0" cap="none" spc="0" baseline="0">
+                <a:solidFill>
+                  <a:srgbClr val="000000"/>
+                </a:solidFill>
+                <a:uFillTx/>
+              </a:defRPr>
+            </a:pPr>
+            <a:r>
+              <a:rPr lang="de-DE" sz="1800" b="0" i="0" u="none" strike="noStrike" kern="1200" cap="none" spc="0" baseline="0">
+                <a:solidFill>
+                  <a:srgbClr val="000000"/>
+                </a:solidFill>
+                <a:uFillTx/>
+                <a:latin typeface="Calibri"/>
+              </a:rPr>
+              <a:t>Client</a:t>
+            </a:r>
+          </a:p>
+        </p:txBody>
+      </p:sp>
+      <p:sp>
+        <p:nvSpPr>
+          <p:cNvPr id="13" name="Textfeld 16"/>
+          <p:cNvSpPr txBox="1"/>
+          <p:nvPr/>
+        </p:nvSpPr>
+        <p:spPr>
+          <a:xfrm>
+            <a:off x="3049176" y="2177332"/>
+            <a:ext cx="1306796" cy="369335"/>
+          </a:xfrm>
+          <a:prstGeom prst="rect">
+            <a:avLst/>
+          </a:prstGeom>
+          <a:noFill/>
+          <a:ln>
+            <a:noFill/>
+          </a:ln>
+        </p:spPr>
+        <p:txBody>
+          <a:bodyPr vert="horz" wrap="square" lIns="91440" tIns="45720" rIns="91440" bIns="45720" anchor="t" anchorCtr="0" compatLnSpc="1">
+            <a:spAutoFit/>
+          </a:bodyPr>
+          <a:lstStyle/>
+          <a:p>
+            <a:pPr marL="0" marR="0" lvl="0" indent="0" algn="l" defTabSz="914400" rtl="0" fontAlgn="auto" hangingPunct="1">
+              <a:lnSpc>
+                <a:spcPct val="100000"/>
+              </a:lnSpc>
+              <a:spcBef>
+                <a:spcPts val="0"/>
+              </a:spcBef>
+              <a:spcAft>
+                <a:spcPts val="0"/>
+              </a:spcAft>
+              <a:buNone/>
+              <a:tabLst/>
+              <a:defRPr sz="1800" b="0" i="0" u="none" strike="noStrike" kern="0" cap="none" spc="0" baseline="0">
+                <a:solidFill>
+                  <a:srgbClr val="000000"/>
+                </a:solidFill>
+                <a:uFillTx/>
+              </a:defRPr>
+            </a:pPr>
+            <a:r>
+              <a:rPr lang="de-DE" sz="1800" b="0" i="0" u="none" strike="noStrike" kern="1200" cap="none" spc="0" baseline="0">
+                <a:solidFill>
+                  <a:srgbClr val="000000"/>
+                </a:solidFill>
+                <a:uFillTx/>
+                <a:latin typeface="Calibri"/>
+              </a:rPr>
+              <a:t>javascript</a:t>
+            </a:r>
+          </a:p>
+        </p:txBody>
+      </p:sp>
+      <p:pic>
+        <p:nvPicPr>
+          <p:cNvPr id="14" name="Picture 4" descr="http://icons.iconarchive.com/icons/franksouza183/fs/256/Mimetypes-javascript-icon.png"/>
+          <p:cNvPicPr>
+            <a:picLocks noChangeAspect="1"/>
+          </p:cNvPicPr>
+          <p:nvPr/>
+        </p:nvPicPr>
+        <p:blipFill>
+          <a:blip r:embed="rId4"/>
+          <a:srcRect/>
+          <a:stretch>
+            <a:fillRect/>
+          </a:stretch>
+        </p:blipFill>
+        <p:spPr>
+          <a:xfrm>
+            <a:off x="3049176" y="3527316"/>
+            <a:ext cx="514715" cy="514715"/>
+          </a:xfrm>
+          <a:prstGeom prst="rect">
+            <a:avLst/>
+          </a:prstGeom>
+          <a:noFill/>
+          <a:ln>
+            <a:noFill/>
+          </a:ln>
+        </p:spPr>
+      </p:pic>
+      <p:sp>
+        <p:nvSpPr>
+          <p:cNvPr id="15" name="Textfeld 22"/>
+          <p:cNvSpPr txBox="1"/>
+          <p:nvPr/>
+        </p:nvSpPr>
+        <p:spPr>
+          <a:xfrm>
+            <a:off x="3563892" y="3436050"/>
+            <a:ext cx="1872206" cy="646334"/>
+          </a:xfrm>
+          <a:prstGeom prst="rect">
+            <a:avLst/>
+          </a:prstGeom>
+          <a:noFill/>
+          <a:ln>
+            <a:noFill/>
+          </a:ln>
+        </p:spPr>
+        <p:txBody>
+          <a:bodyPr vert="horz" wrap="square" lIns="91440" tIns="45720" rIns="91440" bIns="45720" anchor="t" anchorCtr="0" compatLnSpc="1">
+            <a:spAutoFit/>
+          </a:bodyPr>
+          <a:lstStyle/>
+          <a:p>
+            <a:pPr marL="0" marR="0" lvl="0" indent="0" algn="l" defTabSz="914400" rtl="0" fontAlgn="auto" hangingPunct="1">
+              <a:lnSpc>
+                <a:spcPct val="100000"/>
+              </a:lnSpc>
+              <a:spcBef>
+                <a:spcPts val="0"/>
+              </a:spcBef>
+              <a:spcAft>
+                <a:spcPts val="0"/>
+              </a:spcAft>
+              <a:buNone/>
+              <a:tabLst/>
+              <a:defRPr sz="1800" b="0" i="0" u="none" strike="noStrike" kern="0" cap="none" spc="0" baseline="0">
+                <a:solidFill>
+                  <a:srgbClr val="000000"/>
+                </a:solidFill>
+                <a:uFillTx/>
+              </a:defRPr>
+            </a:pPr>
+            <a:r>
+              <a:rPr lang="de-DE" sz="1800" b="0" i="0" u="none" strike="noStrike" kern="1200" cap="none" spc="0" baseline="0">
+                <a:solidFill>
+                  <a:srgbClr val="000000"/>
+                </a:solidFill>
+                <a:uFillTx/>
+                <a:latin typeface="Calibri"/>
+              </a:rPr>
+              <a:t>BindedViewData</a:t>
+            </a:r>
+          </a:p>
+          <a:p>
+            <a:pPr marL="0" marR="0" lvl="0" indent="0" algn="l" defTabSz="914400" rtl="0" fontAlgn="auto" hangingPunct="1">
+              <a:lnSpc>
+                <a:spcPct val="100000"/>
+              </a:lnSpc>
+              <a:spcBef>
+                <a:spcPts val="0"/>
+              </a:spcBef>
+              <a:spcAft>
+                <a:spcPts val="0"/>
+              </a:spcAft>
+              <a:buNone/>
+              <a:tabLst/>
+              <a:defRPr sz="1800" b="0" i="0" u="none" strike="noStrike" kern="0" cap="none" spc="0" baseline="0">
+                <a:solidFill>
+                  <a:srgbClr val="000000"/>
+                </a:solidFill>
+                <a:uFillTx/>
+              </a:defRPr>
+            </a:pPr>
+            <a:r>
+              <a:rPr lang="de-DE" sz="1800" b="0" i="0" u="none" strike="noStrike" kern="1200" cap="none" spc="0" baseline="0">
+                <a:solidFill>
+                  <a:srgbClr val="000000"/>
+                </a:solidFill>
+                <a:uFillTx/>
+                <a:latin typeface="Calibri"/>
+              </a:rPr>
+              <a:t>for lists</a:t>
+            </a:r>
+          </a:p>
+        </p:txBody>
+      </p:sp>
+      <p:pic>
+        <p:nvPicPr>
+          <p:cNvPr id="16" name="Picture 4" descr="http://icons.iconarchive.com/icons/franksouza183/fs/256/Mimetypes-javascript-icon.png"/>
+          <p:cNvPicPr>
+            <a:picLocks noChangeAspect="1"/>
+          </p:cNvPicPr>
+          <p:nvPr/>
+        </p:nvPicPr>
+        <p:blipFill>
+          <a:blip r:embed="rId4"/>
+          <a:srcRect/>
+          <a:stretch>
+            <a:fillRect/>
+          </a:stretch>
+        </p:blipFill>
+        <p:spPr>
+          <a:xfrm>
+            <a:off x="3049176" y="5624565"/>
+            <a:ext cx="514715" cy="514715"/>
+          </a:xfrm>
+          <a:prstGeom prst="rect">
+            <a:avLst/>
+          </a:prstGeom>
+          <a:noFill/>
+          <a:ln>
+            <a:noFill/>
+          </a:ln>
+        </p:spPr>
+      </p:pic>
+      <p:sp>
+        <p:nvSpPr>
+          <p:cNvPr id="17" name="Textfeld 24"/>
+          <p:cNvSpPr txBox="1"/>
+          <p:nvPr/>
+        </p:nvSpPr>
+        <p:spPr>
+          <a:xfrm>
+            <a:off x="3563892" y="5708736"/>
+            <a:ext cx="1872206" cy="369335"/>
+          </a:xfrm>
+          <a:prstGeom prst="rect">
+            <a:avLst/>
+          </a:prstGeom>
+          <a:noFill/>
+          <a:ln>
+            <a:noFill/>
+          </a:ln>
+        </p:spPr>
+        <p:txBody>
+          <a:bodyPr vert="horz" wrap="square" lIns="91440" tIns="45720" rIns="91440" bIns="45720" anchor="t" anchorCtr="0" compatLnSpc="1">
+            <a:spAutoFit/>
+          </a:bodyPr>
+          <a:lstStyle/>
+          <a:p>
+            <a:pPr marL="0" marR="0" lvl="0" indent="0" algn="l" defTabSz="914400" rtl="0" fontAlgn="auto" hangingPunct="1">
+              <a:lnSpc>
+                <a:spcPct val="100000"/>
+              </a:lnSpc>
+              <a:spcBef>
+                <a:spcPts val="0"/>
+              </a:spcBef>
+              <a:spcAft>
+                <a:spcPts val="0"/>
+              </a:spcAft>
+              <a:buNone/>
+              <a:tabLst/>
+              <a:defRPr sz="1800" b="0" i="0" u="none" strike="noStrike" kern="0" cap="none" spc="0" baseline="0">
+                <a:solidFill>
+                  <a:srgbClr val="000000"/>
+                </a:solidFill>
+                <a:uFillTx/>
+              </a:defRPr>
+            </a:pPr>
+            <a:r>
+              <a:rPr lang="de-DE" sz="1800" b="0" i="0" u="none" strike="noStrike" kern="1200" cap="none" spc="0" baseline="0">
+                <a:solidFill>
+                  <a:srgbClr val="000000"/>
+                </a:solidFill>
+                <a:uFillTx/>
+                <a:latin typeface="Calibri"/>
+              </a:rPr>
+              <a:t>BindedViewData</a:t>
+            </a:r>
+          </a:p>
+        </p:txBody>
+      </p:sp>
+      <p:sp>
+        <p:nvSpPr>
+          <p:cNvPr id="18" name="Textfeld 28"/>
+          <p:cNvSpPr txBox="1"/>
+          <p:nvPr/>
+        </p:nvSpPr>
+        <p:spPr>
+          <a:xfrm>
+            <a:off x="6876260" y="1581153"/>
+            <a:ext cx="793059" cy="369335"/>
+          </a:xfrm>
+          <a:prstGeom prst="rect">
+            <a:avLst/>
+          </a:prstGeom>
+          <a:noFill/>
+          <a:ln>
+            <a:noFill/>
+          </a:ln>
+        </p:spPr>
+        <p:txBody>
+          <a:bodyPr vert="horz" wrap="square" lIns="91440" tIns="45720" rIns="91440" bIns="45720" anchor="t" anchorCtr="0" compatLnSpc="1">
+            <a:spAutoFit/>
+          </a:bodyPr>
+          <a:lstStyle/>
+          <a:p>
+            <a:pPr marL="0" marR="0" lvl="0" indent="0" algn="l" defTabSz="914400" rtl="0" fontAlgn="auto" hangingPunct="1">
+              <a:lnSpc>
+                <a:spcPct val="100000"/>
+              </a:lnSpc>
+              <a:spcBef>
+                <a:spcPts val="0"/>
+              </a:spcBef>
+              <a:spcAft>
+                <a:spcPts val="0"/>
+              </a:spcAft>
+              <a:buNone/>
+              <a:tabLst/>
+              <a:defRPr sz="1800" b="0" i="0" u="none" strike="noStrike" kern="0" cap="none" spc="0" baseline="0">
+                <a:solidFill>
+                  <a:srgbClr val="000000"/>
+                </a:solidFill>
+                <a:uFillTx/>
+              </a:defRPr>
+            </a:pPr>
+            <a:r>
+              <a:rPr lang="de-DE" sz="1800" b="0" i="0" u="none" strike="noStrike" kern="1200" cap="none" spc="0" baseline="0">
+                <a:solidFill>
+                  <a:srgbClr val="000000"/>
+                </a:solidFill>
+                <a:uFillTx/>
+                <a:latin typeface="Calibri"/>
+              </a:rPr>
+              <a:t>Server</a:t>
+            </a:r>
+          </a:p>
+        </p:txBody>
+      </p:sp>
+      <p:sp>
+        <p:nvSpPr>
+          <p:cNvPr id="19" name="Textfeld 29"/>
+          <p:cNvSpPr txBox="1"/>
+          <p:nvPr/>
+        </p:nvSpPr>
+        <p:spPr>
+          <a:xfrm>
+            <a:off x="6001490" y="2199205"/>
+            <a:ext cx="1450832" cy="369335"/>
+          </a:xfrm>
+          <a:prstGeom prst="rect">
+            <a:avLst/>
+          </a:prstGeom>
+          <a:noFill/>
+          <a:ln>
+            <a:noFill/>
+          </a:ln>
+        </p:spPr>
+        <p:txBody>
+          <a:bodyPr vert="horz" wrap="square" lIns="91440" tIns="45720" rIns="91440" bIns="45720" anchor="t" anchorCtr="0" compatLnSpc="1">
+            <a:spAutoFit/>
+          </a:bodyPr>
+          <a:lstStyle/>
+          <a:p>
+            <a:pPr marL="0" marR="0" lvl="0" indent="0" algn="l" defTabSz="914400" rtl="0" fontAlgn="auto" hangingPunct="1">
+              <a:lnSpc>
+                <a:spcPct val="100000"/>
+              </a:lnSpc>
+              <a:spcBef>
+                <a:spcPts val="0"/>
+              </a:spcBef>
+              <a:spcAft>
+                <a:spcPts val="0"/>
+              </a:spcAft>
+              <a:buNone/>
+              <a:tabLst/>
+              <a:defRPr sz="1800" b="0" i="0" u="none" strike="noStrike" kern="0" cap="none" spc="0" baseline="0">
+                <a:solidFill>
+                  <a:srgbClr val="000000"/>
+                </a:solidFill>
+                <a:uFillTx/>
+              </a:defRPr>
+            </a:pPr>
+            <a:r>
+              <a:rPr lang="de-DE" sz="1800" b="0" i="0" u="none" strike="noStrike" kern="1200" cap="none" spc="0" baseline="0">
+                <a:solidFill>
+                  <a:srgbClr val="000000"/>
+                </a:solidFill>
+                <a:uFillTx/>
+                <a:latin typeface="Calibri"/>
+              </a:rPr>
+              <a:t>Json services</a:t>
+            </a:r>
+          </a:p>
+        </p:txBody>
+      </p:sp>
+      <p:pic>
+        <p:nvPicPr>
+          <p:cNvPr id="20" name="Picture 6" descr="http://www.jsondesigner.com/_/rsrc/1306427894609/home/Icon-512.png?height=320&amp;width=320"/>
+          <p:cNvPicPr>
+            <a:picLocks noChangeAspect="1"/>
+          </p:cNvPicPr>
+          <p:nvPr/>
+        </p:nvPicPr>
+        <p:blipFill>
+          <a:blip r:embed="rId5"/>
+          <a:srcRect/>
+          <a:stretch>
+            <a:fillRect/>
+          </a:stretch>
+        </p:blipFill>
+        <p:spPr>
+          <a:xfrm>
+            <a:off x="6169191" y="4139827"/>
+            <a:ext cx="980648" cy="980648"/>
+          </a:xfrm>
+          <a:prstGeom prst="rect">
+            <a:avLst/>
+          </a:prstGeom>
+          <a:noFill/>
+          <a:ln>
+            <a:noFill/>
+          </a:ln>
+        </p:spPr>
+      </p:pic>
+      <p:cxnSp>
+        <p:nvCxnSpPr>
+          <p:cNvPr id="21" name="Gerade Verbindung mit Pfeil 31"/>
+          <p:cNvCxnSpPr/>
+          <p:nvPr/>
+        </p:nvCxnSpPr>
+        <p:spPr>
+          <a:xfrm>
+            <a:off x="2435422" y="3361636"/>
+            <a:ext cx="613754" cy="397581"/>
+          </a:xfrm>
+          <a:prstGeom prst="straightConnector1">
+            <a:avLst/>
+          </a:prstGeom>
+          <a:noFill/>
+          <a:ln w="9528">
+            <a:solidFill>
+              <a:srgbClr val="4A7EBB"/>
+            </a:solidFill>
+            <a:prstDash val="solid"/>
+            <a:headEnd type="arrow"/>
+            <a:tailEnd type="arrow"/>
+          </a:ln>
+        </p:spPr>
+      </p:cxnSp>
+      <p:cxnSp>
+        <p:nvCxnSpPr>
+          <p:cNvPr id="22" name="Gerade Verbindung mit Pfeil 33"/>
+          <p:cNvCxnSpPr>
+            <a:stCxn id="8" idx="3"/>
+          </p:cNvCxnSpPr>
+          <p:nvPr/>
+        </p:nvCxnSpPr>
+        <p:spPr>
+          <a:xfrm flipV="1">
+            <a:off x="2038892" y="4042032"/>
+            <a:ext cx="948928" cy="390083"/>
+          </a:xfrm>
+          <a:prstGeom prst="straightConnector1">
+            <a:avLst/>
+          </a:prstGeom>
+          <a:noFill/>
+          <a:ln w="9528">
+            <a:solidFill>
+              <a:srgbClr val="4A7EBB"/>
+            </a:solidFill>
+            <a:prstDash val="solid"/>
+            <a:headEnd type="arrow"/>
+            <a:tailEnd type="arrow"/>
+          </a:ln>
+        </p:spPr>
+      </p:cxnSp>
+      <p:cxnSp>
+        <p:nvCxnSpPr>
+          <p:cNvPr id="23" name="Gerade Verbindung mit Pfeil 36"/>
+          <p:cNvCxnSpPr/>
+          <p:nvPr/>
+        </p:nvCxnSpPr>
+        <p:spPr>
+          <a:xfrm flipH="1">
+            <a:off x="2038892" y="5881914"/>
+            <a:ext cx="793059" cy="0"/>
+          </a:xfrm>
+          <a:prstGeom prst="straightConnector1">
+            <a:avLst/>
+          </a:prstGeom>
+          <a:noFill/>
+          <a:ln w="9528">
+            <a:solidFill>
+              <a:srgbClr val="4A7EBB"/>
+            </a:solidFill>
+            <a:prstDash val="solid"/>
+            <a:headEnd type="arrow"/>
+            <a:tailEnd type="arrow"/>
+          </a:ln>
+        </p:spPr>
+      </p:cxnSp>
+      <p:cxnSp>
+        <p:nvCxnSpPr>
+          <p:cNvPr id="24" name="Gerade Verbindung mit Pfeil 38"/>
+          <p:cNvCxnSpPr>
+            <a:stCxn id="17" idx="3"/>
+          </p:cNvCxnSpPr>
+          <p:nvPr/>
+        </p:nvCxnSpPr>
+        <p:spPr>
+          <a:xfrm flipV="1">
+            <a:off x="5436098" y="5157188"/>
+            <a:ext cx="792081" cy="736211"/>
+          </a:xfrm>
+          <a:prstGeom prst="straightConnector1">
+            <a:avLst/>
+          </a:prstGeom>
+          <a:noFill/>
+          <a:ln w="9528">
+            <a:solidFill>
+              <a:srgbClr val="4A7EBB"/>
+            </a:solidFill>
+            <a:prstDash val="solid"/>
+            <a:headEnd type="arrow"/>
+            <a:tailEnd type="arrow"/>
+          </a:ln>
+        </p:spPr>
+      </p:cxnSp>
+      <p:cxnSp>
+        <p:nvCxnSpPr>
+          <p:cNvPr id="25" name="Gerade Verbindung mit Pfeil 40"/>
+          <p:cNvCxnSpPr>
+            <a:stCxn id="15" idx="3"/>
+          </p:cNvCxnSpPr>
+          <p:nvPr/>
+        </p:nvCxnSpPr>
+        <p:spPr>
+          <a:xfrm>
+            <a:off x="5436098" y="3759217"/>
+            <a:ext cx="684072" cy="406743"/>
+          </a:xfrm>
+          <a:prstGeom prst="straightConnector1">
+            <a:avLst/>
+          </a:prstGeom>
+          <a:noFill/>
+          <a:ln w="9528">
+            <a:solidFill>
+              <a:srgbClr val="4A7EBB"/>
+            </a:solidFill>
+            <a:prstDash val="solid"/>
+            <a:headEnd type="arrow"/>
+            <a:tailEnd type="arrow"/>
+          </a:ln>
+        </p:spPr>
+      </p:cxnSp>
+      <p:sp>
+        <p:nvSpPr>
+          <p:cNvPr id="26" name="Textfeld 44"/>
+          <p:cNvSpPr txBox="1"/>
+          <p:nvPr/>
+        </p:nvSpPr>
+        <p:spPr>
+          <a:xfrm>
+            <a:off x="7596332" y="2200750"/>
+            <a:ext cx="1450832" cy="369335"/>
+          </a:xfrm>
+          <a:prstGeom prst="rect">
+            <a:avLst/>
+          </a:prstGeom>
+          <a:noFill/>
+          <a:ln>
+            <a:noFill/>
+          </a:ln>
+        </p:spPr>
+        <p:txBody>
+          <a:bodyPr vert="horz" wrap="square" lIns="91440" tIns="45720" rIns="91440" bIns="45720" anchor="t" anchorCtr="0" compatLnSpc="1">
+            <a:spAutoFit/>
+          </a:bodyPr>
+          <a:lstStyle/>
+          <a:p>
+            <a:pPr marL="0" marR="0" lvl="0" indent="0" algn="l" defTabSz="914400" rtl="0" fontAlgn="auto" hangingPunct="1">
+              <a:lnSpc>
+                <a:spcPct val="100000"/>
+              </a:lnSpc>
+              <a:spcBef>
+                <a:spcPts val="0"/>
+              </a:spcBef>
+              <a:spcAft>
+                <a:spcPts val="0"/>
+              </a:spcAft>
+              <a:buNone/>
+              <a:tabLst/>
+              <a:defRPr sz="1800" b="0" i="0" u="none" strike="noStrike" kern="0" cap="none" spc="0" baseline="0">
+                <a:solidFill>
+                  <a:srgbClr val="000000"/>
+                </a:solidFill>
+                <a:uFillTx/>
+              </a:defRPr>
+            </a:pPr>
+            <a:r>
+              <a:rPr lang="de-DE" sz="1800" b="0" i="0" u="none" strike="noStrike" kern="1200" cap="none" spc="0" baseline="0">
+                <a:solidFill>
+                  <a:srgbClr val="000000"/>
+                </a:solidFill>
+                <a:uFillTx/>
+                <a:latin typeface="Calibri"/>
+              </a:rPr>
+              <a:t>Database</a:t>
+            </a:r>
+          </a:p>
+        </p:txBody>
+      </p:sp>
+      <p:pic>
+        <p:nvPicPr>
+          <p:cNvPr id="27" name="Grafik 47"/>
+          <p:cNvPicPr>
+            <a:picLocks noChangeAspect="1"/>
+          </p:cNvPicPr>
+          <p:nvPr/>
+        </p:nvPicPr>
+        <p:blipFill>
+          <a:blip r:embed="rId6">
+            <a:lum/>
+            <a:alphaModFix/>
+          </a:blip>
+          <a:srcRect/>
+          <a:stretch>
+            <a:fillRect/>
+          </a:stretch>
+        </p:blipFill>
+        <p:spPr>
+          <a:xfrm>
+            <a:off x="7837066" y="4180088"/>
+            <a:ext cx="969373" cy="707507"/>
+          </a:xfrm>
+          <a:prstGeom prst="rect">
+            <a:avLst/>
+          </a:prstGeom>
+          <a:noFill/>
+          <a:ln>
+            <a:noFill/>
+          </a:ln>
+        </p:spPr>
+      </p:pic>
+      <p:cxnSp>
+        <p:nvCxnSpPr>
+          <p:cNvPr id="28" name="Gerade Verbindung mit Pfeil 48"/>
+          <p:cNvCxnSpPr/>
+          <p:nvPr/>
+        </p:nvCxnSpPr>
+        <p:spPr>
+          <a:xfrm>
+            <a:off x="7272780" y="4684142"/>
+            <a:ext cx="415019" cy="0"/>
+          </a:xfrm>
+          <a:prstGeom prst="straightConnector1">
+            <a:avLst/>
+          </a:prstGeom>
+          <a:noFill/>
+          <a:ln w="9528">
+            <a:solidFill>
+              <a:srgbClr val="4A7EBB"/>
+            </a:solidFill>
+            <a:prstDash val="solid"/>
+            <a:headEnd type="arrow"/>
+            <a:tailEnd type="arrow"/>
+          </a:ln>
+        </p:spPr>
+      </p:cxnSp>
+      <p:pic>
+        <p:nvPicPr>
+          <p:cNvPr id="29" name="Picture 2" descr="C:\Users\Anja Krüger\Desktop\Icon-large.png"/>
           <p:cNvPicPr>
             <a:picLocks noChangeAspect="1" noChangeArrowheads="1"/>
           </p:cNvPicPr>
           <p:nvPr/>
         </p:nvPicPr>
         <p:blipFill>
-          <a:blip r:embed="rId2" cstate="print"/>
+          <a:blip r:embed="rId7" cstate="print"/>
           <a:srcRect/>
           <a:stretch>
             <a:fillRect/>
@@ -4148,75 +5226,60 @@
           </a:ln>
         </p:spPr>
       </p:pic>
-      <p:pic>
-        <p:nvPicPr>
-          <p:cNvPr id="8" name="Grafik 7"/>
-          <p:cNvPicPr>
-            <a:picLocks noChangeAspect="1"/>
-          </p:cNvPicPr>
-          <p:nvPr/>
-        </p:nvPicPr>
-        <p:blipFill>
-          <a:blip r:embed="rId3" cstate="print">
-            <a:alphaModFix/>
-            <a:lum/>
-          </a:blip>
-          <a:srcRect/>
-          <a:stretch>
-            <a:fillRect/>
-          </a:stretch>
-        </p:blipFill>
-        <p:spPr>
-          <a:xfrm>
-            <a:off x="5148064" y="2060848"/>
-            <a:ext cx="2080800" cy="1195200"/>
-          </a:xfrm>
-          <a:prstGeom prst="rect">
-            <a:avLst/>
-          </a:prstGeom>
-          <a:noFill/>
-          <a:ln>
-            <a:noFill/>
-          </a:ln>
-        </p:spPr>
-      </p:pic>
-      <p:pic>
-        <p:nvPicPr>
-          <p:cNvPr id="9" name="Grafik 8"/>
-          <p:cNvPicPr>
-            <a:picLocks noChangeAspect="1"/>
-          </p:cNvPicPr>
-          <p:nvPr/>
-        </p:nvPicPr>
-        <p:blipFill>
-          <a:blip r:embed="rId4" cstate="print">
-            <a:alphaModFix/>
-            <a:lum/>
-          </a:blip>
-          <a:srcRect/>
-          <a:stretch>
-            <a:fillRect/>
-          </a:stretch>
-        </p:blipFill>
-        <p:spPr>
-          <a:xfrm>
-            <a:off x="6444208" y="3356992"/>
-            <a:ext cx="1868399" cy="511200"/>
-          </a:xfrm>
-          <a:prstGeom prst="rect">
-            <a:avLst/>
-          </a:prstGeom>
-          <a:noFill/>
-          <a:ln>
-            <a:noFill/>
-          </a:ln>
-        </p:spPr>
-      </p:pic>
+      <p:sp>
+        <p:nvSpPr>
+          <p:cNvPr id="30" name="Foliennummernplatzhalter 4"/>
+          <p:cNvSpPr>
+            <a:spLocks noGrp="1"/>
+          </p:cNvSpPr>
+          <p:nvPr>
+            <p:ph type="sldNum" sz="quarter" idx="12"/>
+          </p:nvPr>
+        </p:nvSpPr>
+        <p:spPr>
+          <a:xfrm>
+            <a:off x="6553200" y="6356351"/>
+            <a:ext cx="2133600" cy="365125"/>
+          </a:xfrm>
+        </p:spPr>
+        <p:txBody>
+          <a:bodyPr/>
+          <a:lstStyle/>
+          <a:p>
+            <a:fld id="{B8B5D93F-86B1-4750-B826-F8457AD72B6E}" type="slidenum">
+              <a:rPr lang="de-DE" smtClean="0"/>
+              <a:pPr/>
+              <a:t>10</a:t>
+            </a:fld>
+            <a:endParaRPr lang="de-DE"/>
+          </a:p>
+        </p:txBody>
+      </p:sp>
     </p:spTree>
+    <p:extLst>
+      <p:ext uri="{BB962C8B-B14F-4D97-AF65-F5344CB8AC3E}">
+        <p14:creationId xmlns:p14="http://schemas.microsoft.com/office/powerpoint/2010/main" val="3596884607"/>
+      </p:ext>
+    </p:extLst>
   </p:cSld>
   <p:clrMapOvr>
     <a:masterClrMapping/>
   </p:clrMapOvr>
+  <mc:AlternateContent xmlns:mc="http://schemas.openxmlformats.org/markup-compatibility/2006" xmlns:p14="http://schemas.microsoft.com/office/powerpoint/2010/main">
+    <mc:Choice Requires="p14">
+      <p:transition spd="slow" p14:dur="2000"/>
+    </mc:Choice>
+    <mc:Fallback xmlns="">
+      <p:transition spd="slow"/>
+    </mc:Fallback>
+  </mc:AlternateContent>
+  <p:timing>
+    <p:tnLst>
+      <p:par>
+        <p:cTn id="1" dur="indefinite" restart="never" nodeType="tmRoot"/>
+      </p:par>
+    </p:tnLst>
+  </p:timing>
 </p:sld>
 </file>
 
@@ -4292,11 +5355,7 @@
             </a:pPr>
             <a:r>
               <a:rPr lang="de-DE" dirty="0" smtClean="0"/>
-              <a:t>~ 95% </a:t>
-            </a:r>
-            <a:r>
-              <a:rPr lang="de-DE" dirty="0" smtClean="0"/>
-              <a:t>JavaScript</a:t>
+              <a:t>~ 95% JavaScript</a:t>
             </a:r>
           </a:p>
           <a:p>
@@ -4658,7 +5717,7 @@
                 <a:ea typeface="+mj-ea"/>
                 <a:cs typeface="+mj-cs"/>
               </a:rPr>
-              <a:t>	Eckdaten</a:t>
+              <a:t>	Architektur</a:t>
             </a:r>
             <a:endParaRPr kumimoji="0" lang="de-DE" sz="4400" b="0" i="0" u="none" strike="noStrike" kern="1200" cap="none" spc="0" normalizeH="0" baseline="0" noProof="0" dirty="0">
               <a:ln>
@@ -4729,6 +5788,608 @@
   <p:clrMapOvr>
     <a:masterClrMapping/>
   </p:clrMapOvr>
+  <p:timing>
+    <p:tnLst>
+      <p:par>
+        <p:cTn id="1" dur="indefinite" restart="never" nodeType="tmRoot"/>
+      </p:par>
+    </p:tnLst>
+  </p:timing>
+</p:sld>
+</file>
+
+<file path=ppt/slides/slide12.xml><?xml version="1.0" encoding="utf-8"?>
+<p:sld xmlns:a="http://schemas.openxmlformats.org/drawingml/2006/main" xmlns:r="http://schemas.openxmlformats.org/officeDocument/2006/relationships" xmlns:p="http://schemas.openxmlformats.org/presentationml/2006/main">
+  <p:cSld>
+    <p:spTree>
+      <p:nvGrpSpPr>
+        <p:cNvPr id="1" name=""/>
+        <p:cNvGrpSpPr/>
+        <p:nvPr/>
+      </p:nvGrpSpPr>
+      <p:grpSpPr>
+        <a:xfrm>
+          <a:off x="0" y="0"/>
+          <a:ext cx="0" cy="0"/>
+          <a:chOff x="0" y="0"/>
+          <a:chExt cx="0" cy="0"/>
+        </a:xfrm>
+      </p:grpSpPr>
+      <p:sp>
+        <p:nvSpPr>
+          <p:cNvPr id="2" name="Titel 1"/>
+          <p:cNvSpPr>
+            <a:spLocks noGrp="1"/>
+          </p:cNvSpPr>
+          <p:nvPr>
+            <p:ph type="title"/>
+          </p:nvPr>
+        </p:nvSpPr>
+        <p:spPr/>
+        <p:txBody>
+          <a:bodyPr/>
+          <a:lstStyle/>
+          <a:p>
+            <a:endParaRPr lang="de-DE"/>
+          </a:p>
+        </p:txBody>
+      </p:sp>
+      <p:sp>
+        <p:nvSpPr>
+          <p:cNvPr id="3" name="Inhaltsplatzhalter 2"/>
+          <p:cNvSpPr>
+            <a:spLocks noGrp="1"/>
+          </p:cNvSpPr>
+          <p:nvPr>
+            <p:ph idx="1"/>
+          </p:nvPr>
+        </p:nvSpPr>
+        <p:spPr/>
+        <p:txBody>
+          <a:bodyPr>
+            <a:normAutofit/>
+          </a:bodyPr>
+          <a:lstStyle/>
+          <a:p>
+            <a:r>
+              <a:rPr lang="de-DE" dirty="0" smtClean="0">
+                <a:ea typeface="SimSun" pitchFamily="2"/>
+                <a:cs typeface="Mangal" pitchFamily="2"/>
+              </a:rPr>
+              <a:t>Logbuch</a:t>
+            </a:r>
+          </a:p>
+          <a:p>
+            <a:pPr lvl="1"/>
+            <a:r>
+              <a:rPr lang="de-DE" sz="3200" dirty="0" smtClean="0">
+                <a:ea typeface="SimSun" pitchFamily="2"/>
+                <a:cs typeface="Mangal" pitchFamily="2"/>
+              </a:rPr>
+              <a:t>Erstellen</a:t>
+            </a:r>
+          </a:p>
+          <a:p>
+            <a:pPr lvl="1"/>
+            <a:r>
+              <a:rPr lang="de-DE" sz="3200" dirty="0" smtClean="0">
+                <a:ea typeface="SimSun" pitchFamily="2"/>
+                <a:cs typeface="Mangal" pitchFamily="2"/>
+              </a:rPr>
+              <a:t>Editieren</a:t>
+            </a:r>
+          </a:p>
+          <a:p>
+            <a:pPr lvl="1"/>
+            <a:r>
+              <a:rPr lang="de-DE" sz="3200" dirty="0" smtClean="0">
+                <a:ea typeface="SimSun" pitchFamily="2"/>
+                <a:cs typeface="Mangal" pitchFamily="2"/>
+              </a:rPr>
+              <a:t>Löschen</a:t>
+            </a:r>
+          </a:p>
+          <a:p>
+            <a:r>
+              <a:rPr lang="de-DE" dirty="0" err="1" smtClean="0">
+                <a:ea typeface="SimSun" pitchFamily="2"/>
+                <a:cs typeface="Mangal" pitchFamily="2"/>
+              </a:rPr>
+              <a:t>Smartgwt</a:t>
+            </a:r>
+            <a:endParaRPr lang="de-DE" dirty="0" smtClean="0">
+              <a:ea typeface="SimSun" pitchFamily="2"/>
+              <a:cs typeface="Mangal" pitchFamily="2"/>
+            </a:endParaRPr>
+          </a:p>
+          <a:p>
+            <a:r>
+              <a:rPr lang="de-DE" dirty="0" smtClean="0">
+                <a:ea typeface="SimSun" pitchFamily="2"/>
+                <a:cs typeface="Mangal" pitchFamily="2"/>
+              </a:rPr>
+              <a:t>RPC (Server ↔ Client)</a:t>
+            </a:r>
+          </a:p>
+          <a:p>
+            <a:r>
+              <a:rPr lang="de-DE" dirty="0" err="1" smtClean="0">
+                <a:ea typeface="SimSun" pitchFamily="2"/>
+                <a:cs typeface="Mangal" pitchFamily="2"/>
+              </a:rPr>
+              <a:t>mysql-connector</a:t>
+            </a:r>
+            <a:endParaRPr lang="de-DE" dirty="0" smtClean="0">
+              <a:ea typeface="SimSun" pitchFamily="2"/>
+              <a:cs typeface="Mangal" pitchFamily="2"/>
+            </a:endParaRPr>
+          </a:p>
+          <a:p>
+            <a:endParaRPr lang="de-DE" dirty="0"/>
+          </a:p>
+        </p:txBody>
+      </p:sp>
+      <p:sp>
+        <p:nvSpPr>
+          <p:cNvPr id="4" name="Foliennummernplatzhalter 3"/>
+          <p:cNvSpPr>
+            <a:spLocks noGrp="1"/>
+          </p:cNvSpPr>
+          <p:nvPr>
+            <p:ph type="sldNum" sz="quarter" idx="12"/>
+          </p:nvPr>
+        </p:nvSpPr>
+        <p:spPr/>
+        <p:txBody>
+          <a:bodyPr/>
+          <a:lstStyle/>
+          <a:p>
+            <a:fld id="{B8B5D93F-86B1-4750-B826-F8457AD72B6E}" type="slidenum">
+              <a:rPr lang="de-DE" smtClean="0"/>
+              <a:pPr/>
+              <a:t>12</a:t>
+            </a:fld>
+            <a:endParaRPr lang="de-DE"/>
+          </a:p>
+        </p:txBody>
+      </p:sp>
+      <p:sp>
+        <p:nvSpPr>
+          <p:cNvPr id="5" name="Titel 1"/>
+          <p:cNvSpPr txBox="1">
+            <a:spLocks/>
+          </p:cNvSpPr>
+          <p:nvPr/>
+        </p:nvSpPr>
+        <p:spPr>
+          <a:xfrm>
+            <a:off x="0" y="0"/>
+            <a:ext cx="9144000" cy="1417638"/>
+          </a:xfrm>
+          <a:prstGeom prst="rect">
+            <a:avLst/>
+          </a:prstGeom>
+          <a:solidFill>
+            <a:srgbClr val="205689"/>
+          </a:solidFill>
+          <a:ln>
+            <a:solidFill>
+              <a:srgbClr val="205689"/>
+            </a:solidFill>
+          </a:ln>
+        </p:spPr>
+        <p:txBody>
+          <a:bodyPr vert="horz" lIns="91440" tIns="45720" rIns="91440" bIns="45720" rtlCol="0" anchor="ctr">
+            <a:normAutofit/>
+          </a:bodyPr>
+          <a:lstStyle/>
+          <a:p>
+            <a:pPr marL="0" marR="0" lvl="0" indent="0" algn="l" defTabSz="914400" rtl="0" eaLnBrk="1" fontAlgn="auto" latinLnBrk="0" hangingPunct="1">
+              <a:lnSpc>
+                <a:spcPct val="100000"/>
+              </a:lnSpc>
+              <a:spcBef>
+                <a:spcPct val="0"/>
+              </a:spcBef>
+              <a:spcAft>
+                <a:spcPts val="0"/>
+              </a:spcAft>
+              <a:buClrTx/>
+              <a:buSzTx/>
+              <a:buFontTx/>
+              <a:buNone/>
+              <a:tabLst/>
+              <a:defRPr/>
+            </a:pPr>
+            <a:r>
+              <a:rPr kumimoji="0" lang="de-DE" sz="4400" b="0" i="0" u="none" strike="noStrike" kern="1200" cap="none" spc="0" normalizeH="0" baseline="0" noProof="0" dirty="0" smtClean="0">
+                <a:ln>
+                  <a:noFill/>
+                </a:ln>
+                <a:solidFill>
+                  <a:schemeClr val="bg1"/>
+                </a:solidFill>
+                <a:effectLst/>
+                <a:uLnTx/>
+                <a:uFillTx/>
+                <a:latin typeface="+mj-lt"/>
+                <a:ea typeface="+mj-ea"/>
+                <a:cs typeface="+mj-cs"/>
+              </a:rPr>
+              <a:t>	GWT – Logbuchverwaltung</a:t>
+            </a:r>
+            <a:endParaRPr kumimoji="0" lang="de-DE" sz="4400" b="0" i="0" u="none" strike="noStrike" kern="1200" cap="none" spc="0" normalizeH="0" baseline="0" noProof="0" dirty="0">
+              <a:ln>
+                <a:noFill/>
+              </a:ln>
+              <a:solidFill>
+                <a:schemeClr val="bg1"/>
+              </a:solidFill>
+              <a:effectLst/>
+              <a:uLnTx/>
+              <a:uFillTx/>
+              <a:latin typeface="+mj-lt"/>
+              <a:ea typeface="+mj-ea"/>
+              <a:cs typeface="+mj-cs"/>
+            </a:endParaRPr>
+          </a:p>
+        </p:txBody>
+      </p:sp>
+      <p:pic>
+        <p:nvPicPr>
+          <p:cNvPr id="6" name="Picture 2" descr="C:\Users\Anja Krüger\Desktop\Icon-large.png"/>
+          <p:cNvPicPr>
+            <a:picLocks noChangeAspect="1" noChangeArrowheads="1"/>
+          </p:cNvPicPr>
+          <p:nvPr/>
+        </p:nvPicPr>
+        <p:blipFill>
+          <a:blip r:embed="rId2" cstate="print"/>
+          <a:srcRect/>
+          <a:stretch>
+            <a:fillRect/>
+          </a:stretch>
+        </p:blipFill>
+        <p:spPr bwMode="auto">
+          <a:xfrm>
+            <a:off x="7956376" y="260648"/>
+            <a:ext cx="936104" cy="936104"/>
+          </a:xfrm>
+          <a:prstGeom prst="rect">
+            <a:avLst/>
+          </a:prstGeom>
+          <a:noFill/>
+          <a:ln>
+            <a:solidFill>
+              <a:schemeClr val="bg1"/>
+            </a:solidFill>
+          </a:ln>
+        </p:spPr>
+      </p:pic>
+      <p:pic>
+        <p:nvPicPr>
+          <p:cNvPr id="8" name="Grafik 7"/>
+          <p:cNvPicPr>
+            <a:picLocks noChangeAspect="1"/>
+          </p:cNvPicPr>
+          <p:nvPr/>
+        </p:nvPicPr>
+        <p:blipFill>
+          <a:blip r:embed="rId3" cstate="print">
+            <a:alphaModFix/>
+            <a:lum/>
+          </a:blip>
+          <a:srcRect/>
+          <a:stretch>
+            <a:fillRect/>
+          </a:stretch>
+        </p:blipFill>
+        <p:spPr>
+          <a:xfrm>
+            <a:off x="5148064" y="2060848"/>
+            <a:ext cx="2080800" cy="1195200"/>
+          </a:xfrm>
+          <a:prstGeom prst="rect">
+            <a:avLst/>
+          </a:prstGeom>
+          <a:noFill/>
+          <a:ln>
+            <a:noFill/>
+          </a:ln>
+        </p:spPr>
+      </p:pic>
+      <p:pic>
+        <p:nvPicPr>
+          <p:cNvPr id="9" name="Grafik 8"/>
+          <p:cNvPicPr>
+            <a:picLocks noChangeAspect="1"/>
+          </p:cNvPicPr>
+          <p:nvPr/>
+        </p:nvPicPr>
+        <p:blipFill>
+          <a:blip r:embed="rId4" cstate="print">
+            <a:alphaModFix/>
+            <a:lum/>
+          </a:blip>
+          <a:srcRect/>
+          <a:stretch>
+            <a:fillRect/>
+          </a:stretch>
+        </p:blipFill>
+        <p:spPr>
+          <a:xfrm>
+            <a:off x="6444208" y="3356992"/>
+            <a:ext cx="1868399" cy="511200"/>
+          </a:xfrm>
+          <a:prstGeom prst="rect">
+            <a:avLst/>
+          </a:prstGeom>
+          <a:noFill/>
+          <a:ln>
+            <a:noFill/>
+          </a:ln>
+        </p:spPr>
+      </p:pic>
+    </p:spTree>
+  </p:cSld>
+  <p:clrMapOvr>
+    <a:masterClrMapping/>
+  </p:clrMapOvr>
+  <p:timing>
+    <p:tnLst>
+      <p:par>
+        <p:cTn id="1" dur="indefinite" restart="never" nodeType="tmRoot"/>
+      </p:par>
+    </p:tnLst>
+  </p:timing>
+</p:sld>
+</file>
+
+<file path=ppt/slides/slide13.xml><?xml version="1.0" encoding="utf-8"?>
+<p:sld xmlns:a="http://schemas.openxmlformats.org/drawingml/2006/main" xmlns:r="http://schemas.openxmlformats.org/officeDocument/2006/relationships" xmlns:p="http://schemas.openxmlformats.org/presentationml/2006/main">
+  <p:cSld>
+    <p:spTree>
+      <p:nvGrpSpPr>
+        <p:cNvPr id="1" name=""/>
+        <p:cNvGrpSpPr/>
+        <p:nvPr/>
+      </p:nvGrpSpPr>
+      <p:grpSpPr>
+        <a:xfrm>
+          <a:off x="0" y="0"/>
+          <a:ext cx="0" cy="0"/>
+          <a:chOff x="0" y="0"/>
+          <a:chExt cx="0" cy="0"/>
+        </a:xfrm>
+      </p:grpSpPr>
+      <p:sp>
+        <p:nvSpPr>
+          <p:cNvPr id="4" name="Foliennummernplatzhalter 3"/>
+          <p:cNvSpPr>
+            <a:spLocks noGrp="1"/>
+          </p:cNvSpPr>
+          <p:nvPr>
+            <p:ph type="sldNum" sz="quarter" idx="12"/>
+          </p:nvPr>
+        </p:nvSpPr>
+        <p:spPr/>
+        <p:txBody>
+          <a:bodyPr/>
+          <a:lstStyle/>
+          <a:p>
+            <a:fld id="{B8B5D93F-86B1-4750-B826-F8457AD72B6E}" type="slidenum">
+              <a:rPr lang="de-DE" smtClean="0"/>
+              <a:pPr/>
+              <a:t>13</a:t>
+            </a:fld>
+            <a:endParaRPr lang="de-DE"/>
+          </a:p>
+        </p:txBody>
+      </p:sp>
+      <p:sp>
+        <p:nvSpPr>
+          <p:cNvPr id="5" name="Titel 1"/>
+          <p:cNvSpPr txBox="1">
+            <a:spLocks/>
+          </p:cNvSpPr>
+          <p:nvPr/>
+        </p:nvSpPr>
+        <p:spPr>
+          <a:xfrm>
+            <a:off x="0" y="0"/>
+            <a:ext cx="9144000" cy="1417638"/>
+          </a:xfrm>
+          <a:prstGeom prst="rect">
+            <a:avLst/>
+          </a:prstGeom>
+          <a:solidFill>
+            <a:srgbClr val="205689"/>
+          </a:solidFill>
+          <a:ln>
+            <a:solidFill>
+              <a:srgbClr val="205689"/>
+            </a:solidFill>
+          </a:ln>
+        </p:spPr>
+        <p:txBody>
+          <a:bodyPr vert="horz" lIns="91440" tIns="45720" rIns="91440" bIns="45720" rtlCol="0" anchor="ctr">
+            <a:normAutofit/>
+          </a:bodyPr>
+          <a:lstStyle/>
+          <a:p>
+            <a:pPr marL="0" marR="0" lvl="0" indent="0" algn="l" defTabSz="914400" rtl="0" eaLnBrk="1" fontAlgn="auto" latinLnBrk="0" hangingPunct="1">
+              <a:lnSpc>
+                <a:spcPct val="100000"/>
+              </a:lnSpc>
+              <a:spcBef>
+                <a:spcPct val="0"/>
+              </a:spcBef>
+              <a:spcAft>
+                <a:spcPts val="0"/>
+              </a:spcAft>
+              <a:buClrTx/>
+              <a:buSzTx/>
+              <a:buFontTx/>
+              <a:buNone/>
+              <a:tabLst/>
+              <a:defRPr/>
+            </a:pPr>
+            <a:r>
+              <a:rPr kumimoji="0" lang="de-DE" sz="4400" b="0" i="0" u="none" strike="noStrike" kern="1200" cap="none" spc="0" normalizeH="0" baseline="0" noProof="0" dirty="0" smtClean="0">
+                <a:ln>
+                  <a:noFill/>
+                </a:ln>
+                <a:solidFill>
+                  <a:schemeClr val="bg1"/>
+                </a:solidFill>
+                <a:effectLst/>
+                <a:uLnTx/>
+                <a:uFillTx/>
+                <a:latin typeface="+mj-lt"/>
+                <a:ea typeface="+mj-ea"/>
+                <a:cs typeface="+mj-cs"/>
+              </a:rPr>
+              <a:t>	GWT</a:t>
+            </a:r>
+            <a:r>
+              <a:rPr kumimoji="0" lang="de-DE" sz="4400" b="0" i="0" u="none" strike="noStrike" kern="1200" cap="none" spc="0" normalizeH="0" noProof="0" dirty="0" smtClean="0">
+                <a:ln>
+                  <a:noFill/>
+                </a:ln>
+                <a:solidFill>
+                  <a:schemeClr val="bg1"/>
+                </a:solidFill>
+                <a:effectLst/>
+                <a:uLnTx/>
+                <a:uFillTx/>
+                <a:latin typeface="+mj-lt"/>
+                <a:ea typeface="+mj-ea"/>
+                <a:cs typeface="+mj-cs"/>
+              </a:rPr>
+              <a:t> Demo</a:t>
+            </a:r>
+            <a:endParaRPr kumimoji="0" lang="de-DE" sz="4400" b="0" i="0" u="none" strike="noStrike" kern="1200" cap="none" spc="0" normalizeH="0" baseline="0" noProof="0" dirty="0">
+              <a:ln>
+                <a:noFill/>
+              </a:ln>
+              <a:solidFill>
+                <a:schemeClr val="bg1"/>
+              </a:solidFill>
+              <a:effectLst/>
+              <a:uLnTx/>
+              <a:uFillTx/>
+              <a:latin typeface="+mj-lt"/>
+              <a:ea typeface="+mj-ea"/>
+              <a:cs typeface="+mj-cs"/>
+            </a:endParaRPr>
+          </a:p>
+        </p:txBody>
+      </p:sp>
+      <p:pic>
+        <p:nvPicPr>
+          <p:cNvPr id="6" name="Picture 2" descr="C:\Users\Anja Krüger\Desktop\Icon-large.png"/>
+          <p:cNvPicPr>
+            <a:picLocks noChangeAspect="1" noChangeArrowheads="1"/>
+          </p:cNvPicPr>
+          <p:nvPr/>
+        </p:nvPicPr>
+        <p:blipFill>
+          <a:blip r:embed="rId2" cstate="print"/>
+          <a:srcRect/>
+          <a:stretch>
+            <a:fillRect/>
+          </a:stretch>
+        </p:blipFill>
+        <p:spPr bwMode="auto">
+          <a:xfrm>
+            <a:off x="7956376" y="260648"/>
+            <a:ext cx="936104" cy="936104"/>
+          </a:xfrm>
+          <a:prstGeom prst="rect">
+            <a:avLst/>
+          </a:prstGeom>
+          <a:noFill/>
+          <a:ln>
+            <a:solidFill>
+              <a:schemeClr val="bg1"/>
+            </a:solidFill>
+          </a:ln>
+        </p:spPr>
+      </p:pic>
+      <p:pic>
+        <p:nvPicPr>
+          <p:cNvPr id="1026" name="Picture 2"/>
+          <p:cNvPicPr>
+            <a:picLocks noChangeAspect="1" noChangeArrowheads="1"/>
+          </p:cNvPicPr>
+          <p:nvPr/>
+        </p:nvPicPr>
+        <p:blipFill rotWithShape="1">
+          <a:blip r:embed="rId3">
+            <a:extLst>
+              <a:ext uri="{28A0092B-C50C-407E-A947-70E740481C1C}">
+                <a14:useLocalDpi xmlns:a14="http://schemas.microsoft.com/office/drawing/2010/main" val="0"/>
+              </a:ext>
+            </a:extLst>
+          </a:blip>
+          <a:srcRect l="21905" t="10836" r="23428" b="24148"/>
+          <a:stretch/>
+        </p:blipFill>
+        <p:spPr bwMode="auto">
+          <a:xfrm>
+            <a:off x="858525" y="1620147"/>
+            <a:ext cx="7426950" cy="4968552"/>
+          </a:xfrm>
+          <a:prstGeom prst="rect">
+            <a:avLst/>
+          </a:prstGeom>
+          <a:noFill/>
+          <a:ln w="9525">
+            <a:solidFill>
+              <a:schemeClr val="tx1"/>
+            </a:solidFill>
+            <a:miter lim="800000"/>
+            <a:headEnd/>
+            <a:tailEnd/>
+          </a:ln>
+          <a:effectLst/>
+          <a:extLst>
+            <a:ext uri="{909E8E84-426E-40DD-AFC4-6F175D3DCCD1}">
+              <a14:hiddenFill xmlns:a14="http://schemas.microsoft.com/office/drawing/2010/main">
+                <a:solidFill>
+                  <a:schemeClr val="accent1"/>
+                </a:solidFill>
+              </a14:hiddenFill>
+            </a:ext>
+            <a:ext uri="{AF507438-7753-43E0-B8FC-AC1667EBCBE1}">
+              <a14:hiddenEffects xmlns:a14="http://schemas.microsoft.com/office/drawing/2010/main">
+                <a:effectLst>
+                  <a:outerShdw dist="35921" dir="2700000" algn="ctr" rotWithShape="0">
+                    <a:schemeClr val="bg2"/>
+                  </a:outerShdw>
+                </a:effectLst>
+              </a14:hiddenEffects>
+            </a:ext>
+          </a:extLst>
+        </p:spPr>
+      </p:pic>
+    </p:spTree>
+    <p:extLst>
+      <p:ext uri="{BB962C8B-B14F-4D97-AF65-F5344CB8AC3E}">
+        <p14:creationId xmlns:p14="http://schemas.microsoft.com/office/powerpoint/2010/main" val="3122905067"/>
+      </p:ext>
+    </p:extLst>
+  </p:cSld>
+  <p:clrMapOvr>
+    <a:masterClrMapping/>
+  </p:clrMapOvr>
+  <p:timing>
+    <p:tnLst>
+      <p:par>
+        <p:cTn id="1" dur="indefinite" restart="never" nodeType="tmRoot"/>
+      </p:par>
+    </p:tnLst>
+  </p:timing>
 </p:sld>
 </file>
 
@@ -4831,8 +6492,29 @@
           <a:p>
             <a:r>
               <a:rPr lang="de-DE" dirty="0" smtClean="0"/>
-              <a:t>Menüführung</a:t>
-            </a:r>
+              <a:t>Live Demo</a:t>
+            </a:r>
+          </a:p>
+          <a:p>
+            <a:r>
+              <a:rPr lang="de-DE" dirty="0" smtClean="0"/>
+              <a:t>Technologien</a:t>
+            </a:r>
+          </a:p>
+          <a:p>
+            <a:r>
+              <a:rPr lang="de-DE" dirty="0" smtClean="0"/>
+              <a:t>Architektur</a:t>
+            </a:r>
+          </a:p>
+          <a:p>
+            <a:r>
+              <a:rPr lang="de-DE" dirty="0" smtClean="0"/>
+              <a:t>GWT </a:t>
+            </a:r>
+          </a:p>
+          <a:p>
+            <a:endParaRPr lang="de-DE" dirty="0" smtClean="0"/>
           </a:p>
         </p:txBody>
       </p:sp>
@@ -5028,16 +6710,14 @@
       </p:pic>
       <p:pic>
         <p:nvPicPr>
-          <p:cNvPr id="1028" name="Picture 4">
-            <a:hlinkClick r:id="rId3"/>
-          </p:cNvPr>
+          <p:cNvPr id="1028" name="Picture 4"/>
           <p:cNvPicPr>
             <a:picLocks noChangeAspect="1" noChangeArrowheads="1"/>
           </p:cNvPicPr>
           <p:nvPr/>
         </p:nvPicPr>
         <p:blipFill>
-          <a:blip r:embed="rId4" cstate="print"/>
+          <a:blip r:embed="rId3" cstate="print"/>
           <a:srcRect/>
           <a:stretch>
             <a:fillRect/>
@@ -5071,7 +6751,7 @@
           <p:nvPr/>
         </p:nvPicPr>
         <p:blipFill>
-          <a:blip r:embed="rId5" cstate="print"/>
+          <a:blip r:embed="rId4" cstate="print"/>
           <a:srcRect/>
           <a:stretch>
             <a:fillRect/>
@@ -5666,7 +7346,7 @@
                   <a:schemeClr val="bg1"/>
                 </a:solidFill>
               </a:rPr>
-              <a:t>	Menüführung</a:t>
+              <a:t>	Live Demo</a:t>
             </a:r>
             <a:endParaRPr lang="de-DE" dirty="0">
               <a:solidFill>
@@ -5702,16 +7382,14 @@
       </p:sp>
       <p:pic>
         <p:nvPicPr>
-          <p:cNvPr id="5122" name="Picture 2">
-            <a:hlinkClick r:id="rId2"/>
-          </p:cNvPr>
+          <p:cNvPr id="5122" name="Picture 2"/>
           <p:cNvPicPr>
             <a:picLocks noChangeAspect="1" noChangeArrowheads="1"/>
           </p:cNvPicPr>
           <p:nvPr/>
         </p:nvPicPr>
         <p:blipFill>
-          <a:blip r:embed="rId3" cstate="print"/>
+          <a:blip r:embed="rId2" cstate="print"/>
           <a:srcRect/>
           <a:stretch>
             <a:fillRect/>
@@ -5745,7 +7423,7 @@
           <p:nvPr/>
         </p:nvPicPr>
         <p:blipFill>
-          <a:blip r:embed="rId4" cstate="print"/>
+          <a:blip r:embed="rId3" cstate="print"/>
           <a:srcRect/>
           <a:stretch>
             <a:fillRect/>
@@ -6350,227 +8028,574 @@
       <p:sp>
         <p:nvSpPr>
           <p:cNvPr id="2" name="Titel 1"/>
-          <p:cNvSpPr>
-            <a:spLocks noGrp="1"/>
-          </p:cNvSpPr>
-          <p:nvPr>
-            <p:ph type="title"/>
-          </p:nvPr>
-        </p:nvSpPr>
-        <p:spPr/>
+          <p:cNvSpPr txBox="1">
+            <a:spLocks noGrp="1"/>
+          </p:cNvSpPr>
+          <p:nvPr>
+            <p:ph type="title" idx="4294967295"/>
+          </p:nvPr>
+        </p:nvSpPr>
+        <p:spPr>
+          <a:xfrm>
+            <a:off x="0" y="0"/>
+            <a:ext cx="9143643" cy="1417320"/>
+          </a:xfrm>
+          <a:solidFill>
+            <a:srgbClr val="205689"/>
+          </a:solidFill>
+          <a:ln w="9528">
+            <a:solidFill>
+              <a:srgbClr val="205689"/>
+            </a:solidFill>
+            <a:prstDash val="solid"/>
+          </a:ln>
+        </p:spPr>
         <p:txBody>
           <a:bodyPr/>
           <a:lstStyle/>
           <a:p>
-            <a:endParaRPr lang="de-DE"/>
-          </a:p>
-        </p:txBody>
-      </p:sp>
-      <p:sp>
-        <p:nvSpPr>
-          <p:cNvPr id="3" name="Inhaltsplatzhalter 2"/>
-          <p:cNvSpPr>
-            <a:spLocks noGrp="1"/>
-          </p:cNvSpPr>
-          <p:nvPr>
-            <p:ph idx="1"/>
-          </p:nvPr>
-        </p:nvSpPr>
-        <p:spPr/>
-        <p:txBody>
-          <a:bodyPr>
-            <a:normAutofit/>
-          </a:bodyPr>
-          <a:lstStyle/>
-          <a:p>
+            <a:pPr lvl="0" algn="l">
+              <a:buNone/>
+            </a:pPr>
             <a:r>
               <a:rPr lang="de-DE" dirty="0" smtClean="0">
-                <a:ea typeface="SimSun" pitchFamily="2"/>
-                <a:cs typeface="Mangal" pitchFamily="2"/>
+                <a:solidFill>
+                  <a:srgbClr val="FFFFFF"/>
+                </a:solidFill>
               </a:rPr>
-              <a:t>Routen planen</a:t>
-            </a:r>
-          </a:p>
-          <a:p>
-            <a:r>
-              <a:rPr lang="de-DE" dirty="0" smtClean="0">
-                <a:ea typeface="SimSun" pitchFamily="2"/>
-                <a:cs typeface="Mangal" pitchFamily="2"/>
-              </a:rPr>
-              <a:t>Routen aufzeichnen</a:t>
-            </a:r>
-          </a:p>
-          <a:p>
-            <a:r>
-              <a:rPr lang="de-DE" dirty="0" smtClean="0">
-                <a:ea typeface="SimSun" pitchFamily="2"/>
-                <a:cs typeface="Mangal" pitchFamily="2"/>
-              </a:rPr>
-              <a:t>Details editieren</a:t>
-            </a:r>
-          </a:p>
-          <a:p>
-            <a:r>
-              <a:rPr lang="de-DE" dirty="0" smtClean="0">
-                <a:ea typeface="SimSun" pitchFamily="2"/>
-                <a:cs typeface="Mangal" pitchFamily="2"/>
-              </a:rPr>
-              <a:t>Distanztool</a:t>
-            </a:r>
-          </a:p>
-          <a:p>
-            <a:endParaRPr lang="de-DE" dirty="0" smtClean="0">
-              <a:ea typeface="SimSun" pitchFamily="2"/>
-              <a:cs typeface="Mangal" pitchFamily="2"/>
+              <a:t>	Architektur</a:t>
+            </a:r>
+            <a:endParaRPr lang="de-DE" dirty="0">
+              <a:solidFill>
+                <a:srgbClr val="FFFFFF"/>
+              </a:solidFill>
             </a:endParaRPr>
           </a:p>
-          <a:p>
-            <a:r>
-              <a:rPr lang="de-DE" dirty="0" smtClean="0">
-                <a:ea typeface="SimSun" pitchFamily="2"/>
-                <a:cs typeface="Mangal" pitchFamily="2"/>
-              </a:rPr>
-              <a:t>Datenbankanbindung</a:t>
-            </a:r>
-            <a:endParaRPr lang="de-DE" dirty="0" smtClean="0">
-              <a:ea typeface="SimSun" pitchFamily="2"/>
-              <a:cs typeface="Mangal" pitchFamily="2"/>
-            </a:endParaRPr>
-          </a:p>
-          <a:p>
-            <a:r>
-              <a:rPr lang="de-DE" dirty="0" smtClean="0">
-                <a:ea typeface="SimSun" pitchFamily="2"/>
-                <a:cs typeface="Mangal" pitchFamily="2"/>
-              </a:rPr>
-              <a:t>Websocket</a:t>
-            </a:r>
-            <a:endParaRPr lang="de-DE" dirty="0" smtClean="0">
-              <a:ea typeface="SimSun" pitchFamily="2"/>
-              <a:cs typeface="Mangal" pitchFamily="2"/>
-            </a:endParaRPr>
-          </a:p>
-          <a:p>
-            <a:endParaRPr lang="de-DE" dirty="0"/>
-          </a:p>
-        </p:txBody>
-      </p:sp>
-      <p:sp>
-        <p:nvSpPr>
-          <p:cNvPr id="4" name="Foliennummernplatzhalter 3"/>
-          <p:cNvSpPr>
-            <a:spLocks noGrp="1"/>
-          </p:cNvSpPr>
-          <p:nvPr>
-            <p:ph type="sldNum" sz="quarter" idx="12"/>
-          </p:nvPr>
-        </p:nvSpPr>
-        <p:spPr/>
-        <p:txBody>
-          <a:bodyPr/>
-          <a:lstStyle/>
-          <a:p>
-            <a:fld id="{B8B5D93F-86B1-4750-B826-F8457AD72B6E}" type="slidenum">
-              <a:rPr lang="de-DE" smtClean="0"/>
-              <a:pPr/>
-              <a:t>9</a:t>
-            </a:fld>
-            <a:endParaRPr lang="de-DE"/>
-          </a:p>
-        </p:txBody>
-      </p:sp>
-      <p:sp>
-        <p:nvSpPr>
-          <p:cNvPr id="5" name="Titel 1"/>
-          <p:cNvSpPr txBox="1">
-            <a:spLocks/>
-          </p:cNvSpPr>
+        </p:txBody>
+      </p:sp>
+      <p:pic>
+        <p:nvPicPr>
+          <p:cNvPr id="5" name="Picture 2" descr="C:\Users\JP\Downloads\1358309050_gnome-mime-application-xhtml+xml.png"/>
+          <p:cNvPicPr>
+            <a:picLocks noChangeAspect="1"/>
+          </p:cNvPicPr>
           <p:nvPr/>
-        </p:nvSpPr>
-        <p:spPr>
-          <a:xfrm>
-            <a:off x="0" y="0"/>
-            <a:ext cx="9144000" cy="1417638"/>
+        </p:nvPicPr>
+        <p:blipFill>
+          <a:blip r:embed="rId3"/>
+          <a:srcRect/>
+          <a:stretch>
+            <a:fillRect/>
+          </a:stretch>
+        </p:blipFill>
+        <p:spPr>
+          <a:xfrm>
+            <a:off x="426768" y="3212973"/>
+            <a:ext cx="1377689" cy="1377689"/>
           </a:xfrm>
           <a:prstGeom prst="rect">
             <a:avLst/>
           </a:prstGeom>
-          <a:solidFill>
-            <a:srgbClr val="205689"/>
-          </a:solidFill>
+          <a:noFill/>
           <a:ln>
-            <a:solidFill>
-              <a:srgbClr val="205689"/>
-            </a:solidFill>
+            <a:noFill/>
           </a:ln>
         </p:spPr>
-        <p:txBody>
-          <a:bodyPr vert="horz" lIns="91440" tIns="45720" rIns="91440" bIns="45720" rtlCol="0" anchor="ctr">
-            <a:normAutofit/>
+      </p:pic>
+      <p:pic>
+        <p:nvPicPr>
+          <p:cNvPr id="6" name="Grafik 9"/>
+          <p:cNvPicPr>
+            <a:picLocks noChangeAspect="1"/>
+          </p:cNvPicPr>
+          <p:nvPr/>
+        </p:nvPicPr>
+        <p:blipFill>
+          <a:blip r:embed="rId4">
+            <a:lum/>
+            <a:alphaModFix/>
+          </a:blip>
+          <a:srcRect/>
+          <a:stretch>
+            <a:fillRect/>
+          </a:stretch>
+        </p:blipFill>
+        <p:spPr>
+          <a:xfrm>
+            <a:off x="3623858" y="2759357"/>
+            <a:ext cx="1428475" cy="571317"/>
+          </a:xfrm>
+          <a:prstGeom prst="rect">
+            <a:avLst/>
+          </a:prstGeom>
+          <a:noFill/>
+          <a:ln>
+            <a:noFill/>
+          </a:ln>
+        </p:spPr>
+      </p:pic>
+      <p:sp>
+        <p:nvSpPr>
+          <p:cNvPr id="7" name="Textfeld 10"/>
+          <p:cNvSpPr txBox="1"/>
+          <p:nvPr/>
+        </p:nvSpPr>
+        <p:spPr>
+          <a:xfrm>
+            <a:off x="719084" y="1939350"/>
+            <a:ext cx="793059" cy="369335"/>
+          </a:xfrm>
+          <a:prstGeom prst="rect">
+            <a:avLst/>
+          </a:prstGeom>
+          <a:noFill/>
+          <a:ln>
+            <a:noFill/>
+          </a:ln>
+        </p:spPr>
+        <p:txBody>
+          <a:bodyPr vert="horz" wrap="square" lIns="91440" tIns="45720" rIns="91440" bIns="45720" anchor="t" anchorCtr="0" compatLnSpc="1">
+            <a:spAutoFit/>
           </a:bodyPr>
           <a:lstStyle/>
           <a:p>
-            <a:pPr marL="0" marR="0" lvl="0" indent="0" algn="l" defTabSz="914400" rtl="0" eaLnBrk="1" fontAlgn="auto" latinLnBrk="0" hangingPunct="1">
+            <a:pPr marL="0" marR="0" lvl="0" indent="0" algn="l" defTabSz="914400" rtl="0" fontAlgn="auto" hangingPunct="1">
               <a:lnSpc>
                 <a:spcPct val="100000"/>
               </a:lnSpc>
               <a:spcBef>
-                <a:spcPct val="0"/>
+                <a:spcPts val="0"/>
               </a:spcBef>
               <a:spcAft>
                 <a:spcPts val="0"/>
               </a:spcAft>
-              <a:buClrTx/>
-              <a:buSzTx/>
-              <a:buFontTx/>
               <a:buNone/>
               <a:tabLst/>
-              <a:defRPr/>
+              <a:defRPr sz="1800" b="0" i="0" u="none" strike="noStrike" kern="0" cap="none" spc="0" baseline="0">
+                <a:solidFill>
+                  <a:srgbClr val="000000"/>
+                </a:solidFill>
+                <a:uFillTx/>
+              </a:defRPr>
             </a:pPr>
             <a:r>
-              <a:rPr kumimoji="0" lang="de-DE" sz="4400" b="0" i="0" u="none" strike="noStrike" kern="1200" cap="none" spc="0" normalizeH="0" baseline="0" noProof="0" smtClean="0">
-                <a:ln>
-                  <a:noFill/>
-                </a:ln>
+              <a:rPr lang="de-DE" sz="1800" b="0" i="0" u="none" strike="noStrike" kern="1200" cap="none" spc="0" baseline="0">
                 <a:solidFill>
-                  <a:schemeClr val="bg1"/>
+                  <a:srgbClr val="000000"/>
                 </a:solidFill>
-                <a:effectLst/>
-                <a:uLnTx/>
                 <a:uFillTx/>
-                <a:latin typeface="+mj-lt"/>
-                <a:ea typeface="+mj-ea"/>
-                <a:cs typeface="+mj-cs"/>
+                <a:latin typeface="Calibri"/>
               </a:rPr>
-              <a:t>	Trip</a:t>
-            </a:r>
-            <a:endParaRPr kumimoji="0" lang="de-DE" sz="4400" b="0" i="0" u="none" strike="noStrike" kern="1200" cap="none" spc="0" normalizeH="0" baseline="0" noProof="0" dirty="0">
-              <a:ln>
-                <a:noFill/>
-              </a:ln>
-              <a:solidFill>
-                <a:schemeClr val="bg1"/>
-              </a:solidFill>
-              <a:effectLst/>
-              <a:uLnTx/>
-              <a:uFillTx/>
-              <a:latin typeface="+mj-lt"/>
-              <a:ea typeface="+mj-ea"/>
-              <a:cs typeface="+mj-cs"/>
-            </a:endParaRPr>
+              <a:t>Client</a:t>
+            </a:r>
           </a:p>
         </p:txBody>
       </p:sp>
       <p:pic>
         <p:nvPicPr>
-          <p:cNvPr id="6" name="Picture 2" descr="C:\Users\Anja Krüger\Desktop\Icon-large.png"/>
+          <p:cNvPr id="8" name="Grafik 11"/>
+          <p:cNvPicPr>
+            <a:picLocks noChangeAspect="1"/>
+          </p:cNvPicPr>
+          <p:nvPr/>
+        </p:nvPicPr>
+        <p:blipFill>
+          <a:blip r:embed="rId5">
+            <a:lum/>
+            <a:alphaModFix/>
+          </a:blip>
+          <a:srcRect/>
+          <a:stretch>
+            <a:fillRect/>
+          </a:stretch>
+        </p:blipFill>
+        <p:spPr>
+          <a:xfrm>
+            <a:off x="3672148" y="3567760"/>
+            <a:ext cx="1331896" cy="445632"/>
+          </a:xfrm>
+          <a:prstGeom prst="rect">
+            <a:avLst/>
+          </a:prstGeom>
+          <a:noFill/>
+          <a:ln>
+            <a:noFill/>
+          </a:ln>
+        </p:spPr>
+      </p:pic>
+      <p:pic>
+        <p:nvPicPr>
+          <p:cNvPr id="9" name="Grafik 12"/>
+          <p:cNvPicPr>
+            <a:picLocks noChangeAspect="1"/>
+          </p:cNvPicPr>
+          <p:nvPr/>
+        </p:nvPicPr>
+        <p:blipFill>
+          <a:blip r:embed="rId6">
+            <a:lum/>
+            <a:alphaModFix/>
+          </a:blip>
+          <a:srcRect/>
+          <a:stretch>
+            <a:fillRect/>
+          </a:stretch>
+        </p:blipFill>
+        <p:spPr>
+          <a:xfrm>
+            <a:off x="3680652" y="4216719"/>
+            <a:ext cx="1323401" cy="930712"/>
+          </a:xfrm>
+          <a:prstGeom prst="rect">
+            <a:avLst/>
+          </a:prstGeom>
+          <a:noFill/>
+          <a:ln>
+            <a:noFill/>
+          </a:ln>
+        </p:spPr>
+      </p:pic>
+      <p:sp>
+        <p:nvSpPr>
+          <p:cNvPr id="10" name="Textfeld 13"/>
+          <p:cNvSpPr txBox="1"/>
+          <p:nvPr/>
+        </p:nvSpPr>
+        <p:spPr>
+          <a:xfrm>
+            <a:off x="3941566" y="1939350"/>
+            <a:ext cx="793059" cy="369335"/>
+          </a:xfrm>
+          <a:prstGeom prst="rect">
+            <a:avLst/>
+          </a:prstGeom>
+          <a:noFill/>
+          <a:ln>
+            <a:noFill/>
+          </a:ln>
+        </p:spPr>
+        <p:txBody>
+          <a:bodyPr vert="horz" wrap="square" lIns="91440" tIns="45720" rIns="91440" bIns="45720" anchor="t" anchorCtr="0" compatLnSpc="1">
+            <a:spAutoFit/>
+          </a:bodyPr>
+          <a:lstStyle/>
+          <a:p>
+            <a:pPr marL="0" marR="0" lvl="0" indent="0" algn="l" defTabSz="914400" rtl="0" fontAlgn="auto" hangingPunct="1">
+              <a:lnSpc>
+                <a:spcPct val="100000"/>
+              </a:lnSpc>
+              <a:spcBef>
+                <a:spcPts val="0"/>
+              </a:spcBef>
+              <a:spcAft>
+                <a:spcPts val="0"/>
+              </a:spcAft>
+              <a:buNone/>
+              <a:tabLst/>
+              <a:defRPr sz="1800" b="0" i="0" u="none" strike="noStrike" kern="0" cap="none" spc="0" baseline="0">
+                <a:solidFill>
+                  <a:srgbClr val="000000"/>
+                </a:solidFill>
+                <a:uFillTx/>
+              </a:defRPr>
+            </a:pPr>
+            <a:r>
+              <a:rPr lang="de-DE" sz="1800" b="0" i="0" u="none" strike="noStrike" kern="1200" cap="none" spc="0" baseline="0">
+                <a:solidFill>
+                  <a:srgbClr val="000000"/>
+                </a:solidFill>
+                <a:uFillTx/>
+                <a:latin typeface="Calibri"/>
+              </a:rPr>
+              <a:t>Server</a:t>
+            </a:r>
+          </a:p>
+        </p:txBody>
+      </p:sp>
+      <p:sp>
+        <p:nvSpPr>
+          <p:cNvPr id="11" name="Textfeld 14"/>
+          <p:cNvSpPr txBox="1"/>
+          <p:nvPr/>
+        </p:nvSpPr>
+        <p:spPr>
+          <a:xfrm>
+            <a:off x="7163299" y="1939350"/>
+            <a:ext cx="1369140" cy="369335"/>
+          </a:xfrm>
+          <a:prstGeom prst="rect">
+            <a:avLst/>
+          </a:prstGeom>
+          <a:noFill/>
+          <a:ln>
+            <a:noFill/>
+          </a:ln>
+        </p:spPr>
+        <p:txBody>
+          <a:bodyPr vert="horz" wrap="square" lIns="91440" tIns="45720" rIns="91440" bIns="45720" anchor="t" anchorCtr="0" compatLnSpc="1">
+            <a:spAutoFit/>
+          </a:bodyPr>
+          <a:lstStyle/>
+          <a:p>
+            <a:pPr marL="0" marR="0" lvl="0" indent="0" algn="l" defTabSz="914400" rtl="0" fontAlgn="auto" hangingPunct="1">
+              <a:lnSpc>
+                <a:spcPct val="100000"/>
+              </a:lnSpc>
+              <a:spcBef>
+                <a:spcPts val="0"/>
+              </a:spcBef>
+              <a:spcAft>
+                <a:spcPts val="0"/>
+              </a:spcAft>
+              <a:buNone/>
+              <a:tabLst/>
+              <a:defRPr sz="1800" b="0" i="0" u="none" strike="noStrike" kern="0" cap="none" spc="0" baseline="0">
+                <a:solidFill>
+                  <a:srgbClr val="000000"/>
+                </a:solidFill>
+                <a:uFillTx/>
+              </a:defRPr>
+            </a:pPr>
+            <a:r>
+              <a:rPr lang="de-DE" sz="1800" b="0" i="0" u="none" strike="noStrike" kern="1200" cap="none" spc="0" baseline="0">
+                <a:solidFill>
+                  <a:srgbClr val="000000"/>
+                </a:solidFill>
+                <a:uFillTx/>
+                <a:latin typeface="Calibri"/>
+              </a:rPr>
+              <a:t>Database</a:t>
+            </a:r>
+          </a:p>
+        </p:txBody>
+      </p:sp>
+      <p:pic>
+        <p:nvPicPr>
+          <p:cNvPr id="12" name="Grafik 15"/>
+          <p:cNvPicPr>
+            <a:picLocks noChangeAspect="1"/>
+          </p:cNvPicPr>
+          <p:nvPr/>
+        </p:nvPicPr>
+        <p:blipFill>
+          <a:blip r:embed="rId7">
+            <a:lum/>
+            <a:alphaModFix/>
+          </a:blip>
+          <a:srcRect/>
+          <a:stretch>
+            <a:fillRect/>
+          </a:stretch>
+        </p:blipFill>
+        <p:spPr>
+          <a:xfrm>
+            <a:off x="3672148" y="5589242"/>
+            <a:ext cx="1331896" cy="765032"/>
+          </a:xfrm>
+          <a:prstGeom prst="rect">
+            <a:avLst/>
+          </a:prstGeom>
+          <a:noFill/>
+          <a:ln>
+            <a:noFill/>
+          </a:ln>
+        </p:spPr>
+      </p:pic>
+      <p:pic>
+        <p:nvPicPr>
+          <p:cNvPr id="13" name="Picture 2" descr="C:\Users\JP\Downloads\1358309050_gnome-mime-application-xhtml+xml.png"/>
+          <p:cNvPicPr>
+            <a:picLocks noChangeAspect="1"/>
+          </p:cNvPicPr>
+          <p:nvPr/>
+        </p:nvPicPr>
+        <p:blipFill>
+          <a:blip r:embed="rId3"/>
+          <a:srcRect/>
+          <a:stretch>
+            <a:fillRect/>
+          </a:stretch>
+        </p:blipFill>
+        <p:spPr>
+          <a:xfrm>
+            <a:off x="474628" y="5375309"/>
+            <a:ext cx="1192898" cy="1192898"/>
+          </a:xfrm>
+          <a:prstGeom prst="rect">
+            <a:avLst/>
+          </a:prstGeom>
+          <a:noFill/>
+          <a:ln>
+            <a:noFill/>
+          </a:ln>
+        </p:spPr>
+      </p:pic>
+      <p:pic>
+        <p:nvPicPr>
+          <p:cNvPr id="14" name="Grafik 17"/>
+          <p:cNvPicPr>
+            <a:picLocks noChangeAspect="1"/>
+          </p:cNvPicPr>
+          <p:nvPr/>
+        </p:nvPicPr>
+        <p:blipFill>
+          <a:blip r:embed="rId8">
+            <a:lum/>
+            <a:alphaModFix/>
+          </a:blip>
+          <a:srcRect/>
+          <a:stretch>
+            <a:fillRect/>
+          </a:stretch>
+        </p:blipFill>
+        <p:spPr>
+          <a:xfrm>
+            <a:off x="7059012" y="3433718"/>
+            <a:ext cx="1473427" cy="1075407"/>
+          </a:xfrm>
+          <a:prstGeom prst="rect">
+            <a:avLst/>
+          </a:prstGeom>
+          <a:noFill/>
+          <a:ln>
+            <a:noFill/>
+          </a:ln>
+        </p:spPr>
+      </p:pic>
+      <p:cxnSp>
+        <p:nvCxnSpPr>
+          <p:cNvPr id="15" name="Gerade Verbindung mit Pfeil 19"/>
+          <p:cNvCxnSpPr/>
+          <p:nvPr/>
+        </p:nvCxnSpPr>
+        <p:spPr>
+          <a:xfrm>
+            <a:off x="1979712" y="3790581"/>
+            <a:ext cx="1440162" cy="0"/>
+          </a:xfrm>
+          <a:prstGeom prst="straightConnector1">
+            <a:avLst/>
+          </a:prstGeom>
+          <a:noFill/>
+          <a:ln w="9528">
+            <a:solidFill>
+              <a:srgbClr val="4A7EBB"/>
+            </a:solidFill>
+            <a:prstDash val="solid"/>
+            <a:headEnd type="arrow"/>
+            <a:tailEnd type="arrow"/>
+          </a:ln>
+        </p:spPr>
+      </p:cxnSp>
+      <p:cxnSp>
+        <p:nvCxnSpPr>
+          <p:cNvPr id="16" name="Gerade Verbindung mit Pfeil 23"/>
+          <p:cNvCxnSpPr/>
+          <p:nvPr/>
+        </p:nvCxnSpPr>
+        <p:spPr>
+          <a:xfrm>
+            <a:off x="1979712" y="5971763"/>
+            <a:ext cx="1440162" cy="0"/>
+          </a:xfrm>
+          <a:prstGeom prst="straightConnector1">
+            <a:avLst/>
+          </a:prstGeom>
+          <a:noFill/>
+          <a:ln w="9528">
+            <a:solidFill>
+              <a:srgbClr val="4A7EBB"/>
+            </a:solidFill>
+            <a:prstDash val="solid"/>
+            <a:headEnd type="arrow"/>
+            <a:tailEnd type="arrow"/>
+          </a:ln>
+        </p:spPr>
+      </p:cxnSp>
+      <p:cxnSp>
+        <p:nvCxnSpPr>
+          <p:cNvPr id="17" name="Gerade Verbindung mit Pfeil 25"/>
+          <p:cNvCxnSpPr/>
+          <p:nvPr/>
+        </p:nvCxnSpPr>
+        <p:spPr>
+          <a:xfrm flipV="1">
+            <a:off x="5220071" y="4509116"/>
+            <a:ext cx="1728189" cy="1368153"/>
+          </a:xfrm>
+          <a:prstGeom prst="straightConnector1">
+            <a:avLst/>
+          </a:prstGeom>
+          <a:noFill/>
+          <a:ln w="9528">
+            <a:solidFill>
+              <a:srgbClr val="4A7EBB"/>
+            </a:solidFill>
+            <a:prstDash val="solid"/>
+            <a:headEnd type="arrow"/>
+            <a:tailEnd type="arrow"/>
+          </a:ln>
+        </p:spPr>
+      </p:cxnSp>
+      <p:cxnSp>
+        <p:nvCxnSpPr>
+          <p:cNvPr id="18" name="Gerade Verbindung mit Pfeil 27"/>
+          <p:cNvCxnSpPr/>
+          <p:nvPr/>
+        </p:nvCxnSpPr>
+        <p:spPr>
+          <a:xfrm>
+            <a:off x="5292080" y="3790581"/>
+            <a:ext cx="1656180" cy="222821"/>
+          </a:xfrm>
+          <a:prstGeom prst="straightConnector1">
+            <a:avLst/>
+          </a:prstGeom>
+          <a:noFill/>
+          <a:ln w="9528">
+            <a:solidFill>
+              <a:srgbClr val="4A7EBB"/>
+            </a:solidFill>
+            <a:prstDash val="solid"/>
+            <a:headEnd type="arrow"/>
+            <a:tailEnd type="arrow"/>
+          </a:ln>
+        </p:spPr>
+      </p:cxnSp>
+      <p:cxnSp>
+        <p:nvCxnSpPr>
+          <p:cNvPr id="19" name="Gerade Verbindung mit Pfeil 29"/>
+          <p:cNvCxnSpPr/>
+          <p:nvPr/>
+        </p:nvCxnSpPr>
+        <p:spPr>
+          <a:xfrm flipH="1">
+            <a:off x="1804458" y="5733260"/>
+            <a:ext cx="1819400" cy="0"/>
+          </a:xfrm>
+          <a:prstGeom prst="straightConnector1">
+            <a:avLst/>
+          </a:prstGeom>
+          <a:noFill/>
+          <a:ln w="9528">
+            <a:solidFill>
+              <a:srgbClr val="4A7EBB"/>
+            </a:solidFill>
+            <a:prstDash val="solid"/>
+            <a:tailEnd type="arrow"/>
+          </a:ln>
+        </p:spPr>
+      </p:cxnSp>
+      <p:pic>
+        <p:nvPicPr>
+          <p:cNvPr id="21" name="Picture 2" descr="C:\Users\Anja Krüger\Desktop\Icon-large.png"/>
           <p:cNvPicPr>
             <a:picLocks noChangeAspect="1" noChangeArrowheads="1"/>
           </p:cNvPicPr>
           <p:nvPr/>
         </p:nvPicPr>
         <p:blipFill>
-          <a:blip r:embed="rId2" cstate="print"/>
+          <a:blip r:embed="rId9" cstate="print"/>
           <a:srcRect/>
           <a:stretch>
             <a:fillRect/>
@@ -6592,43 +8617,60 @@
           </a:ln>
         </p:spPr>
       </p:pic>
-      <p:pic>
-        <p:nvPicPr>
-          <p:cNvPr id="7" name="Grafik 6"/>
-          <p:cNvPicPr>
-            <a:picLocks noChangeAspect="1"/>
-          </p:cNvPicPr>
-          <p:nvPr/>
-        </p:nvPicPr>
-        <p:blipFill>
-          <a:blip r:embed="rId3" cstate="print">
-            <a:alphaModFix/>
-            <a:lum/>
-          </a:blip>
-          <a:srcRect/>
-          <a:stretch>
-            <a:fillRect/>
-          </a:stretch>
-        </p:blipFill>
-        <p:spPr>
-          <a:xfrm>
-            <a:off x="5010480" y="1980000"/>
-            <a:ext cx="3809520" cy="2857320"/>
-          </a:xfrm>
-          <a:prstGeom prst="rect">
-            <a:avLst/>
-          </a:prstGeom>
-          <a:noFill/>
-          <a:ln>
-            <a:noFill/>
-          </a:ln>
-        </p:spPr>
-      </p:pic>
+      <p:sp>
+        <p:nvSpPr>
+          <p:cNvPr id="22" name="Foliennummernplatzhalter 4"/>
+          <p:cNvSpPr>
+            <a:spLocks noGrp="1"/>
+          </p:cNvSpPr>
+          <p:nvPr>
+            <p:ph type="sldNum" sz="quarter" idx="12"/>
+          </p:nvPr>
+        </p:nvSpPr>
+        <p:spPr>
+          <a:xfrm>
+            <a:off x="6553200" y="6356351"/>
+            <a:ext cx="2133600" cy="365125"/>
+          </a:xfrm>
+        </p:spPr>
+        <p:txBody>
+          <a:bodyPr/>
+          <a:lstStyle/>
+          <a:p>
+            <a:fld id="{B8B5D93F-86B1-4750-B826-F8457AD72B6E}" type="slidenum">
+              <a:rPr lang="de-DE" smtClean="0"/>
+              <a:pPr/>
+              <a:t>9</a:t>
+            </a:fld>
+            <a:endParaRPr lang="de-DE"/>
+          </a:p>
+        </p:txBody>
+      </p:sp>
     </p:spTree>
+    <p:extLst>
+      <p:ext uri="{BB962C8B-B14F-4D97-AF65-F5344CB8AC3E}">
+        <p14:creationId xmlns:p14="http://schemas.microsoft.com/office/powerpoint/2010/main" val="784349209"/>
+      </p:ext>
+    </p:extLst>
   </p:cSld>
   <p:clrMapOvr>
     <a:masterClrMapping/>
   </p:clrMapOvr>
+  <mc:AlternateContent xmlns:mc="http://schemas.openxmlformats.org/markup-compatibility/2006" xmlns:p14="http://schemas.microsoft.com/office/powerpoint/2010/main">
+    <mc:Choice Requires="p14">
+      <p:transition spd="slow" p14:dur="2000"/>
+    </mc:Choice>
+    <mc:Fallback xmlns="">
+      <p:transition spd="slow"/>
+    </mc:Fallback>
+  </mc:AlternateContent>
+  <p:timing>
+    <p:tnLst>
+      <p:par>
+        <p:cTn id="1" dur="indefinite" restart="never" nodeType="tmRoot"/>
+      </p:par>
+    </p:tnLst>
+  </p:timing>
 </p:sld>
 </file>
 
